--- a/docs/box_office_smash.pptx
+++ b/docs/box_office_smash.pptx
@@ -3313,7 +3313,7 @@
         </p:nvGrpSpPr>
         <p:grpSpPr>
           <a:xfrm>
-            <a:off x="1464114" y="54758"/>
+            <a:off x="1464114" y="170691"/>
             <a:ext cx="8823571" cy="6759442"/>
             <a:chOff x="2306305" y="981476"/>
             <a:chExt cx="9325713" cy="5536282"/>
@@ -3481,183 +3481,6 @@
             </a:p>
           </p:txBody>
         </p:sp>
-      </p:grpSp>
-      <p:grpSp>
-        <p:nvGrpSpPr>
-          <p:cNvPr id="39" name="Group 38">
-            <a:extLst>
-              <a:ext uri="{FF2B5EF4-FFF2-40B4-BE49-F238E27FC236}">
-                <a16:creationId xmlns:a16="http://schemas.microsoft.com/office/drawing/2014/main" id="{79E71FA3-8E8B-244F-902F-C5F8432FF063}"/>
-              </a:ext>
-            </a:extLst>
-          </p:cNvPr>
-          <p:cNvGrpSpPr/>
-          <p:nvPr/>
-        </p:nvGrpSpPr>
-        <p:grpSpPr>
-          <a:xfrm>
-            <a:off x="7401034" y="5400196"/>
-            <a:ext cx="2295847" cy="686722"/>
-            <a:chOff x="9460943" y="1597407"/>
-            <a:chExt cx="2295847" cy="686722"/>
-          </a:xfrm>
-        </p:grpSpPr>
-        <p:grpSp>
-          <p:nvGrpSpPr>
-            <p:cNvPr id="87" name="Group 86">
-              <a:extLst>
-                <a:ext uri="{FF2B5EF4-FFF2-40B4-BE49-F238E27FC236}">
-                  <a16:creationId xmlns:a16="http://schemas.microsoft.com/office/drawing/2014/main" id="{27C807D5-6D9A-E24A-BFBE-EE0A3A4A89FC}"/>
-                </a:ext>
-              </a:extLst>
-            </p:cNvPr>
-            <p:cNvGrpSpPr/>
-            <p:nvPr/>
-          </p:nvGrpSpPr>
-          <p:grpSpPr>
-            <a:xfrm>
-              <a:off x="9460943" y="1597407"/>
-              <a:ext cx="2295847" cy="686722"/>
-              <a:chOff x="7100592" y="1885689"/>
-              <a:chExt cx="2956728" cy="866384"/>
-            </a:xfrm>
-          </p:grpSpPr>
-          <p:sp>
-            <p:nvSpPr>
-              <p:cNvPr id="101" name="Rounded Rectangle 100">
-                <a:extLst>
-                  <a:ext uri="{FF2B5EF4-FFF2-40B4-BE49-F238E27FC236}">
-                    <a16:creationId xmlns:a16="http://schemas.microsoft.com/office/drawing/2014/main" id="{38839A47-5716-6142-B8E3-B2BCE166D93E}"/>
-                  </a:ext>
-                </a:extLst>
-              </p:cNvPr>
-              <p:cNvSpPr/>
-              <p:nvPr/>
-            </p:nvSpPr>
-            <p:spPr>
-              <a:xfrm>
-                <a:off x="7100592" y="1885689"/>
-                <a:ext cx="2956728" cy="866384"/>
-              </a:xfrm>
-              <a:prstGeom prst="roundRect">
-                <a:avLst/>
-              </a:prstGeom>
-              <a:solidFill>
-                <a:schemeClr val="bg1"/>
-              </a:solidFill>
-              <a:ln w="38100">
-                <a:solidFill>
-                  <a:schemeClr val="bg2"/>
-                </a:solidFill>
-              </a:ln>
-            </p:spPr>
-            <p:style>
-              <a:lnRef idx="2">
-                <a:schemeClr val="accent1">
-                  <a:shade val="50000"/>
-                </a:schemeClr>
-              </a:lnRef>
-              <a:fillRef idx="1">
-                <a:schemeClr val="accent1"/>
-              </a:fillRef>
-              <a:effectRef idx="0">
-                <a:schemeClr val="accent1"/>
-              </a:effectRef>
-              <a:fontRef idx="minor">
-                <a:schemeClr val="lt1"/>
-              </a:fontRef>
-            </p:style>
-            <p:txBody>
-              <a:bodyPr rtlCol="0" anchor="ctr"/>
-              <a:lstStyle/>
-              <a:p>
-                <a:pPr algn="ctr"/>
-                <a:endParaRPr lang="en-US" dirty="0"/>
-              </a:p>
-            </p:txBody>
-          </p:sp>
-          <p:sp>
-            <p:nvSpPr>
-              <p:cNvPr id="102" name="TextBox 101">
-                <a:extLst>
-                  <a:ext uri="{FF2B5EF4-FFF2-40B4-BE49-F238E27FC236}">
-                    <a16:creationId xmlns:a16="http://schemas.microsoft.com/office/drawing/2014/main" id="{12927A8F-A998-704A-82B6-C52B8FEB59E4}"/>
-                  </a:ext>
-                </a:extLst>
-              </p:cNvPr>
-              <p:cNvSpPr txBox="1"/>
-              <p:nvPr/>
-            </p:nvSpPr>
-            <p:spPr>
-              <a:xfrm>
-                <a:off x="7791697" y="1926090"/>
-                <a:ext cx="1574510" cy="349468"/>
-              </a:xfrm>
-              <a:prstGeom prst="rect">
-                <a:avLst/>
-              </a:prstGeom>
-              <a:noFill/>
-            </p:spPr>
-            <p:txBody>
-              <a:bodyPr wrap="none" rtlCol="0">
-                <a:spAutoFit/>
-              </a:bodyPr>
-              <a:lstStyle/>
-              <a:p>
-                <a:pPr algn="ctr"/>
-                <a:r>
-                  <a:rPr lang="en-US" sz="1200" dirty="0">
-                    <a:solidFill>
-                      <a:schemeClr val="tx1">
-                        <a:lumMod val="65000"/>
-                        <a:lumOff val="35000"/>
-                      </a:schemeClr>
-                    </a:solidFill>
-                  </a:rPr>
-                  <a:t>Data Visulization</a:t>
-                </a:r>
-                <a:endParaRPr lang="en-US" sz="1400" dirty="0">
-                  <a:solidFill>
-                    <a:schemeClr val="tx1">
-                      <a:lumMod val="65000"/>
-                      <a:lumOff val="35000"/>
-                    </a:schemeClr>
-                  </a:solidFill>
-                </a:endParaRPr>
-              </a:p>
-            </p:txBody>
-          </p:sp>
-        </p:grpSp>
-        <p:pic>
-          <p:nvPicPr>
-            <p:cNvPr id="23" name="Picture 22">
-              <a:extLst>
-                <a:ext uri="{FF2B5EF4-FFF2-40B4-BE49-F238E27FC236}">
-                  <a16:creationId xmlns:a16="http://schemas.microsoft.com/office/drawing/2014/main" id="{EDA1A0F0-221F-A546-A4C9-4FF82FE26C1A}"/>
-                </a:ext>
-              </a:extLst>
-            </p:cNvPr>
-            <p:cNvPicPr>
-              <a:picLocks noChangeAspect="1"/>
-            </p:cNvPicPr>
-            <p:nvPr/>
-          </p:nvPicPr>
-          <p:blipFill>
-            <a:blip r:embed="rId2"/>
-            <a:stretch>
-              <a:fillRect/>
-            </a:stretch>
-          </p:blipFill>
-          <p:spPr>
-            <a:xfrm>
-              <a:off x="9924455" y="1876782"/>
-              <a:ext cx="1368815" cy="363760"/>
-            </a:xfrm>
-            <a:prstGeom prst="rect">
-              <a:avLst/>
-            </a:prstGeom>
-          </p:spPr>
-        </p:pic>
       </p:grpSp>
       <p:grpSp>
         <p:nvGrpSpPr>
@@ -3967,7 +3790,7 @@
             <p:nvPr/>
           </p:nvPicPr>
           <p:blipFill>
-            <a:blip r:embed="rId3"/>
+            <a:blip r:embed="rId2"/>
             <a:stretch>
               <a:fillRect/>
             </a:stretch>
@@ -4575,7 +4398,7 @@
             <p:nvPr/>
           </p:nvPicPr>
           <p:blipFill>
-            <a:blip r:embed="rId4"/>
+            <a:blip r:embed="rId3"/>
             <a:stretch>
               <a:fillRect/>
             </a:stretch>
@@ -4605,7 +4428,7 @@
             <p:nvPr/>
           </p:nvPicPr>
           <p:blipFill>
-            <a:blip r:embed="rId5"/>
+            <a:blip r:embed="rId4"/>
             <a:stretch>
               <a:fillRect/>
             </a:stretch>
@@ -4631,7 +4454,7 @@
             <p:nvPr/>
           </p:nvPicPr>
           <p:blipFill>
-            <a:blip r:embed="rId6"/>
+            <a:blip r:embed="rId5"/>
             <a:stretch>
               <a:fillRect/>
             </a:stretch>
@@ -4838,6 +4661,7 @@
         <p:nvCxnSpPr>
           <p:cNvPr id="170" name="Straight Arrow Connector 169"/>
           <p:cNvCxnSpPr>
+            <a:cxnSpLocks/>
             <a:stCxn id="101" idx="0"/>
             <a:endCxn id="91" idx="2"/>
           </p:cNvCxnSpPr>
@@ -4846,7 +4670,7 @@
         <p:spPr>
           <a:xfrm flipH="1" flipV="1">
             <a:off x="8531847" y="5057093"/>
-            <a:ext cx="17111" cy="343103"/>
+            <a:ext cx="4411" cy="343103"/>
           </a:xfrm>
           <a:prstGeom prst="straightConnector1">
             <a:avLst/>
@@ -4985,7 +4809,7 @@
           <p:nvPr/>
         </p:nvPicPr>
         <p:blipFill>
-          <a:blip r:embed="rId7"/>
+          <a:blip r:embed="rId6"/>
           <a:stretch>
             <a:fillRect/>
           </a:stretch>
@@ -5452,7 +5276,7 @@
               <p:nvPr/>
             </p:nvPicPr>
             <p:blipFill>
-              <a:blip r:embed="rId6"/>
+              <a:blip r:embed="rId5"/>
               <a:stretch>
                 <a:fillRect/>
               </a:stretch>
@@ -5482,7 +5306,7 @@
               <p:nvPr/>
             </p:nvPicPr>
             <p:blipFill>
-              <a:blip r:embed="rId8"/>
+              <a:blip r:embed="rId7"/>
               <a:stretch>
                 <a:fillRect/>
               </a:stretch>
@@ -5512,7 +5336,7 @@
               <p:nvPr/>
             </p:nvPicPr>
             <p:blipFill>
-              <a:blip r:embed="rId9"/>
+              <a:blip r:embed="rId8"/>
               <a:stretch>
                 <a:fillRect/>
               </a:stretch>
@@ -5587,7 +5411,7 @@
               <p:nvPr/>
             </p:nvPicPr>
             <p:blipFill>
-              <a:blip r:embed="rId10"/>
+              <a:blip r:embed="rId9"/>
               <a:stretch>
                 <a:fillRect/>
               </a:stretch>
@@ -5611,7 +5435,7 @@
               <p:nvPr/>
             </p:nvPicPr>
             <p:blipFill>
-              <a:blip r:embed="rId11"/>
+              <a:blip r:embed="rId10"/>
               <a:stretch>
                 <a:fillRect/>
               </a:stretch>
@@ -5638,7 +5462,7 @@
             <p:nvPr/>
           </p:nvPicPr>
           <p:blipFill>
-            <a:blip r:embed="rId5"/>
+            <a:blip r:embed="rId4"/>
             <a:stretch>
               <a:fillRect/>
             </a:stretch>
@@ -5669,9 +5493,9 @@
         <p:grpSpPr>
           <a:xfrm>
             <a:off x="4112330" y="2984387"/>
-            <a:ext cx="3032615" cy="1886055"/>
+            <a:ext cx="3032615" cy="1623068"/>
             <a:chOff x="3729038" y="3764100"/>
-            <a:chExt cx="3032615" cy="1886055"/>
+            <a:chExt cx="3032615" cy="1623068"/>
           </a:xfrm>
         </p:grpSpPr>
         <p:cxnSp>
@@ -6061,7 +5885,7 @@
               <p:nvPr/>
             </p:nvPicPr>
             <p:blipFill>
-              <a:blip r:embed="rId12"/>
+              <a:blip r:embed="rId11"/>
               <a:stretch>
                 <a:fillRect/>
               </a:stretch>
@@ -6092,7 +5916,7 @@
             <p:nvPr/>
           </p:nvPicPr>
           <p:blipFill>
-            <a:blip r:embed="rId13"/>
+            <a:blip r:embed="rId12"/>
             <a:stretch>
               <a:fillRect/>
             </a:stretch>
@@ -6107,51 +5931,6 @@
             </a:prstGeom>
           </p:spPr>
         </p:pic>
-        <p:cxnSp>
-          <p:nvCxnSpPr>
-            <p:cNvPr id="92" name="Straight Arrow Connector 91">
-              <a:extLst>
-                <a:ext uri="{FF2B5EF4-FFF2-40B4-BE49-F238E27FC236}">
-                  <a16:creationId xmlns:a16="http://schemas.microsoft.com/office/drawing/2014/main" id="{58FC06F8-AA3D-F546-8BBC-081C9985A3B1}"/>
-                </a:ext>
-              </a:extLst>
-            </p:cNvPr>
-            <p:cNvCxnSpPr>
-              <a:cxnSpLocks/>
-              <a:endCxn id="117" idx="2"/>
-            </p:cNvCxnSpPr>
-            <p:nvPr/>
-          </p:nvCxnSpPr>
-          <p:spPr>
-            <a:xfrm flipH="1" flipV="1">
-              <a:off x="5786999" y="5161702"/>
-              <a:ext cx="13774" cy="488453"/>
-            </a:xfrm>
-            <a:prstGeom prst="straightConnector1">
-              <a:avLst/>
-            </a:prstGeom>
-            <a:ln w="28575">
-              <a:solidFill>
-                <a:schemeClr val="tx2"/>
-              </a:solidFill>
-              <a:tailEnd type="triangle"/>
-            </a:ln>
-          </p:spPr>
-          <p:style>
-            <a:lnRef idx="1">
-              <a:schemeClr val="accent1"/>
-            </a:lnRef>
-            <a:fillRef idx="0">
-              <a:schemeClr val="accent1"/>
-            </a:fillRef>
-            <a:effectRef idx="0">
-              <a:schemeClr val="accent1"/>
-            </a:effectRef>
-            <a:fontRef idx="minor">
-              <a:schemeClr val="tx1"/>
-            </a:fontRef>
-          </p:style>
-        </p:cxnSp>
         <p:sp>
           <p:nvSpPr>
             <p:cNvPr id="103" name="Rounded Rectangle 102">
@@ -6455,6 +6234,605 @@
           </a:fontRef>
         </p:style>
       </p:cxnSp>
+      <p:grpSp>
+        <p:nvGrpSpPr>
+          <p:cNvPr id="11" name="Group 10">
+            <a:extLst>
+              <a:ext uri="{FF2B5EF4-FFF2-40B4-BE49-F238E27FC236}">
+                <a16:creationId xmlns:a16="http://schemas.microsoft.com/office/drawing/2014/main" id="{6F9CEB40-1D55-ED43-9437-B4BCC08C4379}"/>
+              </a:ext>
+            </a:extLst>
+          </p:cNvPr>
+          <p:cNvGrpSpPr/>
+          <p:nvPr/>
+        </p:nvGrpSpPr>
+        <p:grpSpPr>
+          <a:xfrm>
+            <a:off x="7388334" y="5400196"/>
+            <a:ext cx="2295847" cy="1102204"/>
+            <a:chOff x="7388334" y="5400196"/>
+            <a:chExt cx="2295847" cy="1102204"/>
+          </a:xfrm>
+        </p:grpSpPr>
+        <p:grpSp>
+          <p:nvGrpSpPr>
+            <p:cNvPr id="87" name="Group 86">
+              <a:extLst>
+                <a:ext uri="{FF2B5EF4-FFF2-40B4-BE49-F238E27FC236}">
+                  <a16:creationId xmlns:a16="http://schemas.microsoft.com/office/drawing/2014/main" id="{27C807D5-6D9A-E24A-BFBE-EE0A3A4A89FC}"/>
+                </a:ext>
+              </a:extLst>
+            </p:cNvPr>
+            <p:cNvGrpSpPr/>
+            <p:nvPr/>
+          </p:nvGrpSpPr>
+          <p:grpSpPr>
+            <a:xfrm>
+              <a:off x="7388334" y="5400196"/>
+              <a:ext cx="2295847" cy="1102204"/>
+              <a:chOff x="7084236" y="1885689"/>
+              <a:chExt cx="2956728" cy="1390566"/>
+            </a:xfrm>
+          </p:grpSpPr>
+          <p:sp>
+            <p:nvSpPr>
+              <p:cNvPr id="101" name="Rounded Rectangle 100">
+                <a:extLst>
+                  <a:ext uri="{FF2B5EF4-FFF2-40B4-BE49-F238E27FC236}">
+                    <a16:creationId xmlns:a16="http://schemas.microsoft.com/office/drawing/2014/main" id="{38839A47-5716-6142-B8E3-B2BCE166D93E}"/>
+                  </a:ext>
+                </a:extLst>
+              </p:cNvPr>
+              <p:cNvSpPr/>
+              <p:nvPr/>
+            </p:nvSpPr>
+            <p:spPr>
+              <a:xfrm>
+                <a:off x="7084236" y="1885689"/>
+                <a:ext cx="2956728" cy="1390566"/>
+              </a:xfrm>
+              <a:prstGeom prst="roundRect">
+                <a:avLst/>
+              </a:prstGeom>
+              <a:solidFill>
+                <a:schemeClr val="bg1"/>
+              </a:solidFill>
+              <a:ln w="38100">
+                <a:solidFill>
+                  <a:schemeClr val="bg2"/>
+                </a:solidFill>
+              </a:ln>
+            </p:spPr>
+            <p:style>
+              <a:lnRef idx="2">
+                <a:schemeClr val="accent1">
+                  <a:shade val="50000"/>
+                </a:schemeClr>
+              </a:lnRef>
+              <a:fillRef idx="1">
+                <a:schemeClr val="accent1"/>
+              </a:fillRef>
+              <a:effectRef idx="0">
+                <a:schemeClr val="accent1"/>
+              </a:effectRef>
+              <a:fontRef idx="minor">
+                <a:schemeClr val="lt1"/>
+              </a:fontRef>
+            </p:style>
+            <p:txBody>
+              <a:bodyPr rtlCol="0" anchor="ctr"/>
+              <a:lstStyle/>
+              <a:p>
+                <a:pPr algn="ctr"/>
+                <a:endParaRPr lang="en-US" dirty="0"/>
+              </a:p>
+            </p:txBody>
+          </p:sp>
+          <p:sp>
+            <p:nvSpPr>
+              <p:cNvPr id="102" name="TextBox 101">
+                <a:extLst>
+                  <a:ext uri="{FF2B5EF4-FFF2-40B4-BE49-F238E27FC236}">
+                    <a16:creationId xmlns:a16="http://schemas.microsoft.com/office/drawing/2014/main" id="{12927A8F-A998-704A-82B6-C52B8FEB59E4}"/>
+                  </a:ext>
+                </a:extLst>
+              </p:cNvPr>
+              <p:cNvSpPr txBox="1"/>
+              <p:nvPr/>
+            </p:nvSpPr>
+            <p:spPr>
+              <a:xfrm>
+                <a:off x="7791697" y="1926090"/>
+                <a:ext cx="1574510" cy="349468"/>
+              </a:xfrm>
+              <a:prstGeom prst="rect">
+                <a:avLst/>
+              </a:prstGeom>
+              <a:noFill/>
+            </p:spPr>
+            <p:txBody>
+              <a:bodyPr wrap="none" rtlCol="0">
+                <a:spAutoFit/>
+              </a:bodyPr>
+              <a:lstStyle/>
+              <a:p>
+                <a:pPr algn="ctr"/>
+                <a:r>
+                  <a:rPr lang="en-US" sz="1200" dirty="0">
+                    <a:solidFill>
+                      <a:schemeClr val="tx1">
+                        <a:lumMod val="65000"/>
+                        <a:lumOff val="35000"/>
+                      </a:schemeClr>
+                    </a:solidFill>
+                  </a:rPr>
+                  <a:t>Data Visulization</a:t>
+                </a:r>
+                <a:endParaRPr lang="en-US" sz="1400" dirty="0">
+                  <a:solidFill>
+                    <a:schemeClr val="tx1">
+                      <a:lumMod val="65000"/>
+                      <a:lumOff val="35000"/>
+                    </a:schemeClr>
+                  </a:solidFill>
+                </a:endParaRPr>
+              </a:p>
+            </p:txBody>
+          </p:sp>
+        </p:grpSp>
+        <p:grpSp>
+          <p:nvGrpSpPr>
+            <p:cNvPr id="4" name="Group 3">
+              <a:extLst>
+                <a:ext uri="{FF2B5EF4-FFF2-40B4-BE49-F238E27FC236}">
+                  <a16:creationId xmlns:a16="http://schemas.microsoft.com/office/drawing/2014/main" id="{43E4F523-A4DB-4E47-A469-39042F40D80C}"/>
+                </a:ext>
+              </a:extLst>
+            </p:cNvPr>
+            <p:cNvGrpSpPr/>
+            <p:nvPr/>
+          </p:nvGrpSpPr>
+          <p:grpSpPr>
+            <a:xfrm>
+              <a:off x="7848585" y="5711166"/>
+              <a:ext cx="716864" cy="307132"/>
+              <a:chOff x="8488851" y="5691848"/>
+              <a:chExt cx="716864" cy="307132"/>
+            </a:xfrm>
+          </p:grpSpPr>
+          <p:sp>
+            <p:nvSpPr>
+              <p:cNvPr id="109" name="Rectangle 108">
+                <a:extLst>
+                  <a:ext uri="{FF2B5EF4-FFF2-40B4-BE49-F238E27FC236}">
+                    <a16:creationId xmlns:a16="http://schemas.microsoft.com/office/drawing/2014/main" id="{9DA58FA6-F5E0-464C-BC29-CD57ED34274D}"/>
+                  </a:ext>
+                </a:extLst>
+              </p:cNvPr>
+              <p:cNvSpPr/>
+              <p:nvPr/>
+            </p:nvSpPr>
+            <p:spPr>
+              <a:xfrm>
+                <a:off x="8520257" y="5691848"/>
+                <a:ext cx="639988" cy="307132"/>
+              </a:xfrm>
+              <a:prstGeom prst="rect">
+                <a:avLst/>
+              </a:prstGeom>
+              <a:solidFill>
+                <a:schemeClr val="bg2"/>
+              </a:solidFill>
+              <a:ln>
+                <a:solidFill>
+                  <a:schemeClr val="bg2">
+                    <a:lumMod val="90000"/>
+                  </a:schemeClr>
+                </a:solidFill>
+              </a:ln>
+            </p:spPr>
+            <p:style>
+              <a:lnRef idx="2">
+                <a:schemeClr val="accent1">
+                  <a:shade val="50000"/>
+                </a:schemeClr>
+              </a:lnRef>
+              <a:fillRef idx="1">
+                <a:schemeClr val="accent1"/>
+              </a:fillRef>
+              <a:effectRef idx="0">
+                <a:schemeClr val="accent1"/>
+              </a:effectRef>
+              <a:fontRef idx="minor">
+                <a:schemeClr val="lt1"/>
+              </a:fontRef>
+            </p:style>
+            <p:txBody>
+              <a:bodyPr rtlCol="0" anchor="ctr"/>
+              <a:lstStyle/>
+              <a:p>
+                <a:pPr algn="ctr"/>
+                <a:endParaRPr lang="en-US" dirty="0"/>
+              </a:p>
+            </p:txBody>
+          </p:sp>
+          <p:sp>
+            <p:nvSpPr>
+              <p:cNvPr id="110" name="TextBox 109">
+                <a:extLst>
+                  <a:ext uri="{FF2B5EF4-FFF2-40B4-BE49-F238E27FC236}">
+                    <a16:creationId xmlns:a16="http://schemas.microsoft.com/office/drawing/2014/main" id="{2A83CCED-4421-0541-A561-50902ADFD3D8}"/>
+                  </a:ext>
+                </a:extLst>
+              </p:cNvPr>
+              <p:cNvSpPr txBox="1"/>
+              <p:nvPr/>
+            </p:nvSpPr>
+            <p:spPr>
+              <a:xfrm>
+                <a:off x="8488851" y="5729921"/>
+                <a:ext cx="716864" cy="246221"/>
+              </a:xfrm>
+              <a:prstGeom prst="rect">
+                <a:avLst/>
+              </a:prstGeom>
+              <a:noFill/>
+            </p:spPr>
+            <p:txBody>
+              <a:bodyPr wrap="none" rtlCol="0">
+                <a:spAutoFit/>
+              </a:bodyPr>
+              <a:lstStyle/>
+              <a:p>
+                <a:pPr algn="ctr"/>
+                <a:r>
+                  <a:rPr lang="en-US" sz="1000" dirty="0"/>
+                  <a:t>matplatlib</a:t>
+                </a:r>
+              </a:p>
+            </p:txBody>
+          </p:sp>
+        </p:grpSp>
+        <p:grpSp>
+          <p:nvGrpSpPr>
+            <p:cNvPr id="9" name="Group 8">
+              <a:extLst>
+                <a:ext uri="{FF2B5EF4-FFF2-40B4-BE49-F238E27FC236}">
+                  <a16:creationId xmlns:a16="http://schemas.microsoft.com/office/drawing/2014/main" id="{1B6D5A3C-1B66-434D-A484-C27B7200D218}"/>
+                </a:ext>
+              </a:extLst>
+            </p:cNvPr>
+            <p:cNvGrpSpPr/>
+            <p:nvPr/>
+          </p:nvGrpSpPr>
+          <p:grpSpPr>
+            <a:xfrm>
+              <a:off x="8648943" y="5718783"/>
+              <a:ext cx="639988" cy="307132"/>
+              <a:chOff x="8723412" y="5703549"/>
+              <a:chExt cx="639988" cy="307132"/>
+            </a:xfrm>
+          </p:grpSpPr>
+          <p:sp>
+            <p:nvSpPr>
+              <p:cNvPr id="111" name="Rectangle 110">
+                <a:extLst>
+                  <a:ext uri="{FF2B5EF4-FFF2-40B4-BE49-F238E27FC236}">
+                    <a16:creationId xmlns:a16="http://schemas.microsoft.com/office/drawing/2014/main" id="{70A2198F-BBBD-B643-BC3B-5FD756FA3420}"/>
+                  </a:ext>
+                </a:extLst>
+              </p:cNvPr>
+              <p:cNvSpPr/>
+              <p:nvPr/>
+            </p:nvSpPr>
+            <p:spPr>
+              <a:xfrm>
+                <a:off x="8723412" y="5703549"/>
+                <a:ext cx="639988" cy="307132"/>
+              </a:xfrm>
+              <a:prstGeom prst="rect">
+                <a:avLst/>
+              </a:prstGeom>
+              <a:solidFill>
+                <a:schemeClr val="bg2"/>
+              </a:solidFill>
+              <a:ln>
+                <a:solidFill>
+                  <a:schemeClr val="bg2">
+                    <a:lumMod val="90000"/>
+                  </a:schemeClr>
+                </a:solidFill>
+              </a:ln>
+            </p:spPr>
+            <p:style>
+              <a:lnRef idx="2">
+                <a:schemeClr val="accent1">
+                  <a:shade val="50000"/>
+                </a:schemeClr>
+              </a:lnRef>
+              <a:fillRef idx="1">
+                <a:schemeClr val="accent1"/>
+              </a:fillRef>
+              <a:effectRef idx="0">
+                <a:schemeClr val="accent1"/>
+              </a:effectRef>
+              <a:fontRef idx="minor">
+                <a:schemeClr val="lt1"/>
+              </a:fontRef>
+            </p:style>
+            <p:txBody>
+              <a:bodyPr rtlCol="0" anchor="ctr"/>
+              <a:lstStyle/>
+              <a:p>
+                <a:pPr algn="ctr"/>
+                <a:endParaRPr lang="en-US" dirty="0"/>
+              </a:p>
+            </p:txBody>
+          </p:sp>
+          <p:sp>
+            <p:nvSpPr>
+              <p:cNvPr id="123" name="TextBox 122">
+                <a:extLst>
+                  <a:ext uri="{FF2B5EF4-FFF2-40B4-BE49-F238E27FC236}">
+                    <a16:creationId xmlns:a16="http://schemas.microsoft.com/office/drawing/2014/main" id="{C2C4627F-B62F-944A-8F43-C1FD5CA57033}"/>
+                  </a:ext>
+                </a:extLst>
+              </p:cNvPr>
+              <p:cNvSpPr txBox="1"/>
+              <p:nvPr/>
+            </p:nvSpPr>
+            <p:spPr>
+              <a:xfrm>
+                <a:off x="8825857" y="5741622"/>
+                <a:ext cx="449162" cy="246221"/>
+              </a:xfrm>
+              <a:prstGeom prst="rect">
+                <a:avLst/>
+              </a:prstGeom>
+              <a:noFill/>
+            </p:spPr>
+            <p:txBody>
+              <a:bodyPr wrap="none" rtlCol="0">
+                <a:spAutoFit/>
+              </a:bodyPr>
+              <a:lstStyle/>
+              <a:p>
+                <a:pPr algn="ctr"/>
+                <a:r>
+                  <a:rPr lang="en-US" sz="1000" dirty="0"/>
+                  <a:t>ploty</a:t>
+                </a:r>
+              </a:p>
+            </p:txBody>
+          </p:sp>
+        </p:grpSp>
+        <p:grpSp>
+          <p:nvGrpSpPr>
+            <p:cNvPr id="128" name="Group 127">
+              <a:extLst>
+                <a:ext uri="{FF2B5EF4-FFF2-40B4-BE49-F238E27FC236}">
+                  <a16:creationId xmlns:a16="http://schemas.microsoft.com/office/drawing/2014/main" id="{BAB2B4B9-5B38-834C-9B14-4850094C0099}"/>
+                </a:ext>
+              </a:extLst>
+            </p:cNvPr>
+            <p:cNvGrpSpPr/>
+            <p:nvPr/>
+          </p:nvGrpSpPr>
+          <p:grpSpPr>
+            <a:xfrm>
+              <a:off x="7887023" y="6097880"/>
+              <a:ext cx="639988" cy="307132"/>
+              <a:chOff x="8520257" y="5691848"/>
+              <a:chExt cx="639988" cy="307132"/>
+            </a:xfrm>
+          </p:grpSpPr>
+          <p:sp>
+            <p:nvSpPr>
+              <p:cNvPr id="129" name="Rectangle 128">
+                <a:extLst>
+                  <a:ext uri="{FF2B5EF4-FFF2-40B4-BE49-F238E27FC236}">
+                    <a16:creationId xmlns:a16="http://schemas.microsoft.com/office/drawing/2014/main" id="{16DAC0A5-BB32-C748-9706-B46633392F56}"/>
+                  </a:ext>
+                </a:extLst>
+              </p:cNvPr>
+              <p:cNvSpPr/>
+              <p:nvPr/>
+            </p:nvSpPr>
+            <p:spPr>
+              <a:xfrm>
+                <a:off x="8520257" y="5691848"/>
+                <a:ext cx="639988" cy="307132"/>
+              </a:xfrm>
+              <a:prstGeom prst="rect">
+                <a:avLst/>
+              </a:prstGeom>
+              <a:solidFill>
+                <a:schemeClr val="bg2"/>
+              </a:solidFill>
+              <a:ln>
+                <a:solidFill>
+                  <a:schemeClr val="bg2">
+                    <a:lumMod val="90000"/>
+                  </a:schemeClr>
+                </a:solidFill>
+              </a:ln>
+            </p:spPr>
+            <p:style>
+              <a:lnRef idx="2">
+                <a:schemeClr val="accent1">
+                  <a:shade val="50000"/>
+                </a:schemeClr>
+              </a:lnRef>
+              <a:fillRef idx="1">
+                <a:schemeClr val="accent1"/>
+              </a:fillRef>
+              <a:effectRef idx="0">
+                <a:schemeClr val="accent1"/>
+              </a:effectRef>
+              <a:fontRef idx="minor">
+                <a:schemeClr val="lt1"/>
+              </a:fontRef>
+            </p:style>
+            <p:txBody>
+              <a:bodyPr rtlCol="0" anchor="ctr"/>
+              <a:lstStyle/>
+              <a:p>
+                <a:pPr algn="ctr"/>
+                <a:endParaRPr lang="en-US" dirty="0"/>
+              </a:p>
+            </p:txBody>
+          </p:sp>
+          <p:sp>
+            <p:nvSpPr>
+              <p:cNvPr id="131" name="TextBox 130">
+                <a:extLst>
+                  <a:ext uri="{FF2B5EF4-FFF2-40B4-BE49-F238E27FC236}">
+                    <a16:creationId xmlns:a16="http://schemas.microsoft.com/office/drawing/2014/main" id="{C6C5BB1E-D65F-484D-B4A9-28472558C892}"/>
+                  </a:ext>
+                </a:extLst>
+              </p:cNvPr>
+              <p:cNvSpPr txBox="1"/>
+              <p:nvPr/>
+            </p:nvSpPr>
+            <p:spPr>
+              <a:xfrm>
+                <a:off x="8544155" y="5729921"/>
+                <a:ext cx="606256" cy="246221"/>
+              </a:xfrm>
+              <a:prstGeom prst="rect">
+                <a:avLst/>
+              </a:prstGeom>
+              <a:noFill/>
+            </p:spPr>
+            <p:txBody>
+              <a:bodyPr wrap="none" rtlCol="0">
+                <a:spAutoFit/>
+              </a:bodyPr>
+              <a:lstStyle/>
+              <a:p>
+                <a:pPr algn="ctr"/>
+                <a:r>
+                  <a:rPr lang="en-US" sz="1000" dirty="0"/>
+                  <a:t>seaborn</a:t>
+                </a:r>
+              </a:p>
+            </p:txBody>
+          </p:sp>
+        </p:grpSp>
+        <p:grpSp>
+          <p:nvGrpSpPr>
+            <p:cNvPr id="132" name="Group 131">
+              <a:extLst>
+                <a:ext uri="{FF2B5EF4-FFF2-40B4-BE49-F238E27FC236}">
+                  <a16:creationId xmlns:a16="http://schemas.microsoft.com/office/drawing/2014/main" id="{DCEABF2F-B348-BC48-A0D1-826A4207ABD5}"/>
+                </a:ext>
+              </a:extLst>
+            </p:cNvPr>
+            <p:cNvGrpSpPr/>
+            <p:nvPr/>
+          </p:nvGrpSpPr>
+          <p:grpSpPr>
+            <a:xfrm>
+              <a:off x="8648943" y="6081037"/>
+              <a:ext cx="639988" cy="307132"/>
+              <a:chOff x="8520257" y="5691848"/>
+              <a:chExt cx="639988" cy="307132"/>
+            </a:xfrm>
+          </p:grpSpPr>
+          <p:sp>
+            <p:nvSpPr>
+              <p:cNvPr id="133" name="Rectangle 132">
+                <a:extLst>
+                  <a:ext uri="{FF2B5EF4-FFF2-40B4-BE49-F238E27FC236}">
+                    <a16:creationId xmlns:a16="http://schemas.microsoft.com/office/drawing/2014/main" id="{5CC62B9F-186F-2B4F-9B83-C2FC16BFDA42}"/>
+                  </a:ext>
+                </a:extLst>
+              </p:cNvPr>
+              <p:cNvSpPr/>
+              <p:nvPr/>
+            </p:nvSpPr>
+            <p:spPr>
+              <a:xfrm>
+                <a:off x="8520257" y="5691848"/>
+                <a:ext cx="639988" cy="307132"/>
+              </a:xfrm>
+              <a:prstGeom prst="rect">
+                <a:avLst/>
+              </a:prstGeom>
+              <a:solidFill>
+                <a:schemeClr val="bg2"/>
+              </a:solidFill>
+              <a:ln>
+                <a:solidFill>
+                  <a:schemeClr val="bg2">
+                    <a:lumMod val="90000"/>
+                  </a:schemeClr>
+                </a:solidFill>
+              </a:ln>
+            </p:spPr>
+            <p:style>
+              <a:lnRef idx="2">
+                <a:schemeClr val="accent1">
+                  <a:shade val="50000"/>
+                </a:schemeClr>
+              </a:lnRef>
+              <a:fillRef idx="1">
+                <a:schemeClr val="accent1"/>
+              </a:fillRef>
+              <a:effectRef idx="0">
+                <a:schemeClr val="accent1"/>
+              </a:effectRef>
+              <a:fontRef idx="minor">
+                <a:schemeClr val="lt1"/>
+              </a:fontRef>
+            </p:style>
+            <p:txBody>
+              <a:bodyPr rtlCol="0" anchor="ctr"/>
+              <a:lstStyle/>
+              <a:p>
+                <a:pPr algn="ctr"/>
+                <a:endParaRPr lang="en-US" dirty="0"/>
+              </a:p>
+            </p:txBody>
+          </p:sp>
+          <p:sp>
+            <p:nvSpPr>
+              <p:cNvPr id="134" name="TextBox 133">
+                <a:extLst>
+                  <a:ext uri="{FF2B5EF4-FFF2-40B4-BE49-F238E27FC236}">
+                    <a16:creationId xmlns:a16="http://schemas.microsoft.com/office/drawing/2014/main" id="{671C5FC6-248C-4F4B-BA78-BC39FEF632D9}"/>
+                  </a:ext>
+                </a:extLst>
+              </p:cNvPr>
+              <p:cNvSpPr txBox="1"/>
+              <p:nvPr/>
+            </p:nvSpPr>
+            <p:spPr>
+              <a:xfrm>
+                <a:off x="8591443" y="5729921"/>
+                <a:ext cx="511680" cy="246221"/>
+              </a:xfrm>
+              <a:prstGeom prst="rect">
+                <a:avLst/>
+              </a:prstGeom>
+              <a:noFill/>
+            </p:spPr>
+            <p:txBody>
+              <a:bodyPr wrap="none" rtlCol="0">
+                <a:spAutoFit/>
+              </a:bodyPr>
+              <a:lstStyle/>
+              <a:p>
+                <a:pPr algn="ctr"/>
+                <a:r>
+                  <a:rPr lang="en-US" sz="1000" dirty="0"/>
+                  <a:t>ggplt2</a:t>
+                </a:r>
+              </a:p>
+            </p:txBody>
+          </p:sp>
+        </p:grpSp>
+      </p:grpSp>
     </p:spTree>
     <p:extLst>
       <p:ext uri="{BB962C8B-B14F-4D97-AF65-F5344CB8AC3E}">

--- a/docs/box_office_smash.pptx
+++ b/docs/box_office_smash.pptx
@@ -5,10 +5,11 @@
     <p:sldMasterId id="2147483648" r:id="rId1"/>
   </p:sldMasterIdLst>
   <p:sldIdLst>
-    <p:sldId id="265" r:id="rId2"/>
-    <p:sldId id="267" r:id="rId3"/>
-    <p:sldId id="264" r:id="rId4"/>
-    <p:sldId id="263" r:id="rId5"/>
+    <p:sldId id="268" r:id="rId2"/>
+    <p:sldId id="265" r:id="rId3"/>
+    <p:sldId id="267" r:id="rId4"/>
+    <p:sldId id="264" r:id="rId5"/>
+    <p:sldId id="263" r:id="rId6"/>
   </p:sldIdLst>
   <p:sldSz cx="12192000" cy="6858000"/>
   <p:notesSz cx="6858000" cy="9144000"/>
@@ -3289,6 +3290,2841 @@
 </file>
 
 <file path=ppt/slides/slide1.xml><?xml version="1.0" encoding="utf-8"?>
+<p:sld xmlns:a="http://schemas.openxmlformats.org/drawingml/2006/main" xmlns:r="http://schemas.openxmlformats.org/officeDocument/2006/relationships" xmlns:p="http://schemas.openxmlformats.org/presentationml/2006/main">
+  <p:cSld>
+    <p:spTree>
+      <p:nvGrpSpPr>
+        <p:cNvPr id="1" name=""/>
+        <p:cNvGrpSpPr/>
+        <p:nvPr/>
+      </p:nvGrpSpPr>
+      <p:grpSpPr>
+        <a:xfrm>
+          <a:off x="0" y="0"/>
+          <a:ext cx="0" cy="0"/>
+          <a:chOff x="0" y="0"/>
+          <a:chExt cx="0" cy="0"/>
+        </a:xfrm>
+      </p:grpSpPr>
+      <p:grpSp>
+        <p:nvGrpSpPr>
+          <p:cNvPr id="225" name="Group 224"/>
+          <p:cNvGrpSpPr/>
+          <p:nvPr/>
+        </p:nvGrpSpPr>
+        <p:grpSpPr>
+          <a:xfrm>
+            <a:off x="1641769" y="98558"/>
+            <a:ext cx="8823571" cy="6759442"/>
+            <a:chOff x="2306305" y="981476"/>
+            <a:chExt cx="9325713" cy="5536282"/>
+          </a:xfrm>
+        </p:grpSpPr>
+        <p:grpSp>
+          <p:nvGrpSpPr>
+            <p:cNvPr id="59" name="Group 58"/>
+            <p:cNvGrpSpPr/>
+            <p:nvPr/>
+          </p:nvGrpSpPr>
+          <p:grpSpPr>
+            <a:xfrm>
+              <a:off x="2306305" y="981476"/>
+              <a:ext cx="9325713" cy="5536282"/>
+              <a:chOff x="942975" y="1173981"/>
+              <a:chExt cx="7761521" cy="5295420"/>
+            </a:xfrm>
+          </p:grpSpPr>
+          <p:sp>
+            <p:nvSpPr>
+              <p:cNvPr id="7" name="Rounded Rectangle 6"/>
+              <p:cNvSpPr/>
+              <p:nvPr/>
+            </p:nvSpPr>
+            <p:spPr>
+              <a:xfrm>
+                <a:off x="942975" y="1173981"/>
+                <a:ext cx="7761521" cy="5295420"/>
+              </a:xfrm>
+              <a:prstGeom prst="roundRect">
+                <a:avLst/>
+              </a:prstGeom>
+              <a:solidFill>
+                <a:schemeClr val="tx1">
+                  <a:lumMod val="50000"/>
+                  <a:lumOff val="50000"/>
+                </a:schemeClr>
+              </a:solidFill>
+              <a:ln>
+                <a:solidFill>
+                  <a:schemeClr val="bg2"/>
+                </a:solidFill>
+              </a:ln>
+            </p:spPr>
+            <p:style>
+              <a:lnRef idx="2">
+                <a:schemeClr val="accent1">
+                  <a:shade val="50000"/>
+                </a:schemeClr>
+              </a:lnRef>
+              <a:fillRef idx="1">
+                <a:schemeClr val="accent1"/>
+              </a:fillRef>
+              <a:effectRef idx="0">
+                <a:schemeClr val="accent1"/>
+              </a:effectRef>
+              <a:fontRef idx="minor">
+                <a:schemeClr val="lt1"/>
+              </a:fontRef>
+            </p:style>
+            <p:txBody>
+              <a:bodyPr rtlCol="0" anchor="ctr"/>
+              <a:lstStyle/>
+              <a:p>
+                <a:pPr algn="ctr"/>
+                <a:endParaRPr lang="en-US" dirty="0"/>
+              </a:p>
+            </p:txBody>
+          </p:sp>
+          <p:sp>
+            <p:nvSpPr>
+              <p:cNvPr id="5" name="TextBox 4"/>
+              <p:cNvSpPr txBox="1"/>
+              <p:nvPr/>
+            </p:nvSpPr>
+            <p:spPr>
+              <a:xfrm flipH="1">
+                <a:off x="2613132" y="1282145"/>
+                <a:ext cx="4454981" cy="382703"/>
+              </a:xfrm>
+              <a:prstGeom prst="rect">
+                <a:avLst/>
+              </a:prstGeom>
+              <a:noFill/>
+            </p:spPr>
+            <p:txBody>
+              <a:bodyPr wrap="square" rtlCol="0">
+                <a:spAutoFit/>
+              </a:bodyPr>
+              <a:lstStyle/>
+              <a:p>
+                <a:r>
+                  <a:rPr lang="en-US" sz="2000" b="1" dirty="0">
+                    <a:solidFill>
+                      <a:schemeClr val="bg1"/>
+                    </a:solidFill>
+                    <a:latin typeface="Arial" panose="020B0604020202020204" pitchFamily="34" charset="0"/>
+                    <a:cs typeface="Arial" panose="020B0604020202020204" pitchFamily="34" charset="0"/>
+                  </a:rPr>
+                  <a:t>Box Office Smash Architecture Diagram</a:t>
+                </a:r>
+                <a:endParaRPr lang="en-US" b="1" dirty="0">
+                  <a:solidFill>
+                    <a:schemeClr val="bg1"/>
+                  </a:solidFill>
+                  <a:latin typeface="Arial" panose="020B0604020202020204" pitchFamily="34" charset="0"/>
+                  <a:cs typeface="Arial" panose="020B0604020202020204" pitchFamily="34" charset="0"/>
+                </a:endParaRPr>
+              </a:p>
+            </p:txBody>
+          </p:sp>
+        </p:grpSp>
+        <p:sp>
+          <p:nvSpPr>
+            <p:cNvPr id="279" name="Rounded Rectangle 278">
+              <a:extLst>
+                <a:ext uri="{FF2B5EF4-FFF2-40B4-BE49-F238E27FC236}">
+                  <a16:creationId xmlns:a16="http://schemas.microsoft.com/office/drawing/2014/main" id="{84D0C00F-D6C1-EE40-BC44-1979AC94C899}"/>
+                </a:ext>
+              </a:extLst>
+            </p:cNvPr>
+            <p:cNvSpPr/>
+            <p:nvPr/>
+          </p:nvSpPr>
+          <p:spPr>
+            <a:xfrm>
+              <a:off x="2457713" y="1607754"/>
+              <a:ext cx="9025449" cy="4658840"/>
+            </a:xfrm>
+            <a:prstGeom prst="roundRect">
+              <a:avLst/>
+            </a:prstGeom>
+            <a:solidFill>
+              <a:schemeClr val="bg1"/>
+            </a:solidFill>
+            <a:ln w="25400" cap="rnd">
+              <a:solidFill>
+                <a:schemeClr val="bg2"/>
+              </a:solidFill>
+            </a:ln>
+          </p:spPr>
+          <p:style>
+            <a:lnRef idx="2">
+              <a:schemeClr val="accent1">
+                <a:shade val="50000"/>
+              </a:schemeClr>
+            </a:lnRef>
+            <a:fillRef idx="1">
+              <a:schemeClr val="accent1"/>
+            </a:fillRef>
+            <a:effectRef idx="0">
+              <a:schemeClr val="accent1"/>
+            </a:effectRef>
+            <a:fontRef idx="minor">
+              <a:schemeClr val="lt1"/>
+            </a:fontRef>
+          </p:style>
+          <p:txBody>
+            <a:bodyPr rtlCol="0" anchor="ctr"/>
+            <a:lstStyle/>
+            <a:p>
+              <a:pPr algn="ctr"/>
+              <a:endParaRPr lang="en-US"/>
+            </a:p>
+          </p:txBody>
+        </p:sp>
+      </p:grpSp>
+      <p:grpSp>
+        <p:nvGrpSpPr>
+          <p:cNvPr id="3" name="Group 2"/>
+          <p:cNvGrpSpPr/>
+          <p:nvPr/>
+        </p:nvGrpSpPr>
+        <p:grpSpPr>
+          <a:xfrm>
+            <a:off x="4283023" y="5305250"/>
+            <a:ext cx="1383753" cy="781668"/>
+            <a:chOff x="241451" y="2930686"/>
+            <a:chExt cx="1383753" cy="781668"/>
+          </a:xfrm>
+        </p:grpSpPr>
+        <p:sp>
+          <p:nvSpPr>
+            <p:cNvPr id="120" name="Rounded Rectangle 119">
+              <a:extLst>
+                <a:ext uri="{FF2B5EF4-FFF2-40B4-BE49-F238E27FC236}">
+                  <a16:creationId xmlns:a16="http://schemas.microsoft.com/office/drawing/2014/main" id="{2D422E35-E528-0E45-B031-DB73A88AA9C7}"/>
+                </a:ext>
+              </a:extLst>
+            </p:cNvPr>
+            <p:cNvSpPr/>
+            <p:nvPr/>
+          </p:nvSpPr>
+          <p:spPr>
+            <a:xfrm>
+              <a:off x="241451" y="2930686"/>
+              <a:ext cx="1383753" cy="781668"/>
+            </a:xfrm>
+            <a:prstGeom prst="roundRect">
+              <a:avLst/>
+            </a:prstGeom>
+            <a:solidFill>
+              <a:schemeClr val="bg1"/>
+            </a:solidFill>
+            <a:ln w="38100">
+              <a:solidFill>
+                <a:schemeClr val="bg2"/>
+              </a:solidFill>
+            </a:ln>
+          </p:spPr>
+          <p:style>
+            <a:lnRef idx="2">
+              <a:schemeClr val="accent1">
+                <a:shade val="50000"/>
+              </a:schemeClr>
+            </a:lnRef>
+            <a:fillRef idx="1">
+              <a:schemeClr val="accent1"/>
+            </a:fillRef>
+            <a:effectRef idx="0">
+              <a:schemeClr val="accent1"/>
+            </a:effectRef>
+            <a:fontRef idx="minor">
+              <a:schemeClr val="lt1"/>
+            </a:fontRef>
+          </p:style>
+          <p:txBody>
+            <a:bodyPr rtlCol="0" anchor="ctr"/>
+            <a:lstStyle/>
+            <a:p>
+              <a:pPr algn="ctr"/>
+              <a:endParaRPr lang="en-US" dirty="0"/>
+            </a:p>
+          </p:txBody>
+        </p:sp>
+        <p:sp>
+          <p:nvSpPr>
+            <p:cNvPr id="121" name="TextBox 120">
+              <a:extLst>
+                <a:ext uri="{FF2B5EF4-FFF2-40B4-BE49-F238E27FC236}">
+                  <a16:creationId xmlns:a16="http://schemas.microsoft.com/office/drawing/2014/main" id="{B9EDF889-6DD1-DA4B-AB56-9BC0D5F178C3}"/>
+                </a:ext>
+              </a:extLst>
+            </p:cNvPr>
+            <p:cNvSpPr txBox="1"/>
+            <p:nvPr/>
+          </p:nvSpPr>
+          <p:spPr>
+            <a:xfrm>
+              <a:off x="591473" y="2937333"/>
+              <a:ext cx="787396" cy="261610"/>
+            </a:xfrm>
+            <a:prstGeom prst="rect">
+              <a:avLst/>
+            </a:prstGeom>
+            <a:noFill/>
+          </p:spPr>
+          <p:txBody>
+            <a:bodyPr wrap="none" rtlCol="0">
+              <a:spAutoFit/>
+            </a:bodyPr>
+            <a:lstStyle/>
+            <a:p>
+              <a:pPr algn="ctr"/>
+              <a:r>
+                <a:rPr lang="en-US" sz="1100" dirty="0">
+                  <a:solidFill>
+                    <a:schemeClr val="tx1">
+                      <a:lumMod val="65000"/>
+                      <a:lumOff val="35000"/>
+                    </a:schemeClr>
+                  </a:solidFill>
+                </a:rPr>
+                <a:t>Input Data</a:t>
+              </a:r>
+            </a:p>
+          </p:txBody>
+        </p:sp>
+        <p:grpSp>
+          <p:nvGrpSpPr>
+            <p:cNvPr id="2" name="Group 1"/>
+            <p:cNvGrpSpPr/>
+            <p:nvPr/>
+          </p:nvGrpSpPr>
+          <p:grpSpPr>
+            <a:xfrm>
+              <a:off x="468797" y="3264761"/>
+              <a:ext cx="977371" cy="307132"/>
+              <a:chOff x="451979" y="4030219"/>
+              <a:chExt cx="977371" cy="307132"/>
+            </a:xfrm>
+          </p:grpSpPr>
+          <p:sp>
+            <p:nvSpPr>
+              <p:cNvPr id="143" name="Rectangle 142">
+                <a:extLst>
+                  <a:ext uri="{FF2B5EF4-FFF2-40B4-BE49-F238E27FC236}">
+                    <a16:creationId xmlns:a16="http://schemas.microsoft.com/office/drawing/2014/main" id="{66F0C99A-DA55-CF48-9F11-5B88EF9D31C9}"/>
+                  </a:ext>
+                </a:extLst>
+              </p:cNvPr>
+              <p:cNvSpPr/>
+              <p:nvPr/>
+            </p:nvSpPr>
+            <p:spPr>
+              <a:xfrm>
+                <a:off x="451979" y="4030219"/>
+                <a:ext cx="977371" cy="307132"/>
+              </a:xfrm>
+              <a:prstGeom prst="rect">
+                <a:avLst/>
+              </a:prstGeom>
+              <a:solidFill>
+                <a:schemeClr val="bg2"/>
+              </a:solidFill>
+              <a:ln>
+                <a:solidFill>
+                  <a:schemeClr val="bg2">
+                    <a:lumMod val="90000"/>
+                  </a:schemeClr>
+                </a:solidFill>
+              </a:ln>
+            </p:spPr>
+            <p:style>
+              <a:lnRef idx="2">
+                <a:schemeClr val="accent1">
+                  <a:shade val="50000"/>
+                </a:schemeClr>
+              </a:lnRef>
+              <a:fillRef idx="1">
+                <a:schemeClr val="accent1"/>
+              </a:fillRef>
+              <a:effectRef idx="0">
+                <a:schemeClr val="accent1"/>
+              </a:effectRef>
+              <a:fontRef idx="minor">
+                <a:schemeClr val="lt1"/>
+              </a:fontRef>
+            </p:style>
+            <p:txBody>
+              <a:bodyPr rtlCol="0" anchor="ctr"/>
+              <a:lstStyle/>
+              <a:p>
+                <a:pPr algn="ctr"/>
+                <a:endParaRPr lang="en-US" dirty="0"/>
+              </a:p>
+            </p:txBody>
+          </p:sp>
+          <p:sp>
+            <p:nvSpPr>
+              <p:cNvPr id="144" name="TextBox 143">
+                <a:extLst>
+                  <a:ext uri="{FF2B5EF4-FFF2-40B4-BE49-F238E27FC236}">
+                    <a16:creationId xmlns:a16="http://schemas.microsoft.com/office/drawing/2014/main" id="{8905EB25-1264-CD4D-AF60-07A8A0892277}"/>
+                  </a:ext>
+                </a:extLst>
+              </p:cNvPr>
+              <p:cNvSpPr txBox="1"/>
+              <p:nvPr/>
+            </p:nvSpPr>
+            <p:spPr>
+              <a:xfrm>
+                <a:off x="582476" y="4066727"/>
+                <a:ext cx="707246" cy="246221"/>
+              </a:xfrm>
+              <a:prstGeom prst="rect">
+                <a:avLst/>
+              </a:prstGeom>
+              <a:noFill/>
+            </p:spPr>
+            <p:txBody>
+              <a:bodyPr wrap="none" rtlCol="0">
+                <a:spAutoFit/>
+              </a:bodyPr>
+              <a:lstStyle/>
+              <a:p>
+                <a:pPr algn="ctr"/>
+                <a:r>
+                  <a:rPr lang="en-US" sz="1000" dirty="0"/>
+                  <a:t>imdb.com</a:t>
+                </a:r>
+              </a:p>
+            </p:txBody>
+          </p:sp>
+        </p:grpSp>
+      </p:grpSp>
+      <p:grpSp>
+        <p:nvGrpSpPr>
+          <p:cNvPr id="37" name="Group 36">
+            <a:extLst>
+              <a:ext uri="{FF2B5EF4-FFF2-40B4-BE49-F238E27FC236}">
+                <a16:creationId xmlns:a16="http://schemas.microsoft.com/office/drawing/2014/main" id="{DF55F85E-7A06-7F4D-98C2-8F4E91B5086E}"/>
+              </a:ext>
+            </a:extLst>
+          </p:cNvPr>
+          <p:cNvGrpSpPr/>
+          <p:nvPr/>
+        </p:nvGrpSpPr>
+        <p:grpSpPr>
+          <a:xfrm>
+            <a:off x="4502741" y="982932"/>
+            <a:ext cx="1391777" cy="622468"/>
+            <a:chOff x="1660519" y="4242775"/>
+            <a:chExt cx="1391777" cy="622468"/>
+          </a:xfrm>
+        </p:grpSpPr>
+        <p:sp>
+          <p:nvSpPr>
+            <p:cNvPr id="130" name="Rounded Rectangle 129">
+              <a:extLst>
+                <a:ext uri="{FF2B5EF4-FFF2-40B4-BE49-F238E27FC236}">
+                  <a16:creationId xmlns:a16="http://schemas.microsoft.com/office/drawing/2014/main" id="{5DF12C50-B955-314A-B3D1-347D9A47407F}"/>
+                </a:ext>
+              </a:extLst>
+            </p:cNvPr>
+            <p:cNvSpPr/>
+            <p:nvPr/>
+          </p:nvSpPr>
+          <p:spPr>
+            <a:xfrm>
+              <a:off x="1660519" y="4242775"/>
+              <a:ext cx="1391777" cy="622468"/>
+            </a:xfrm>
+            <a:prstGeom prst="roundRect">
+              <a:avLst/>
+            </a:prstGeom>
+            <a:solidFill>
+              <a:schemeClr val="bg1"/>
+            </a:solidFill>
+            <a:ln w="38100">
+              <a:solidFill>
+                <a:schemeClr val="bg2"/>
+              </a:solidFill>
+            </a:ln>
+          </p:spPr>
+          <p:style>
+            <a:lnRef idx="2">
+              <a:schemeClr val="accent1">
+                <a:shade val="50000"/>
+              </a:schemeClr>
+            </a:lnRef>
+            <a:fillRef idx="1">
+              <a:schemeClr val="accent1"/>
+            </a:fillRef>
+            <a:effectRef idx="0">
+              <a:schemeClr val="accent1"/>
+            </a:effectRef>
+            <a:fontRef idx="minor">
+              <a:schemeClr val="lt1"/>
+            </a:fontRef>
+          </p:style>
+          <p:txBody>
+            <a:bodyPr rtlCol="0" anchor="ctr"/>
+            <a:lstStyle/>
+            <a:p>
+              <a:pPr algn="ctr"/>
+              <a:endParaRPr lang="en-US" dirty="0"/>
+            </a:p>
+          </p:txBody>
+        </p:sp>
+        <p:pic>
+          <p:nvPicPr>
+            <p:cNvPr id="29" name="Picture 28">
+              <a:extLst>
+                <a:ext uri="{FF2B5EF4-FFF2-40B4-BE49-F238E27FC236}">
+                  <a16:creationId xmlns:a16="http://schemas.microsoft.com/office/drawing/2014/main" id="{E41E5AA8-E426-A94F-85FC-D1F958481523}"/>
+                </a:ext>
+              </a:extLst>
+            </p:cNvPr>
+            <p:cNvPicPr>
+              <a:picLocks noChangeAspect="1"/>
+            </p:cNvPicPr>
+            <p:nvPr/>
+          </p:nvPicPr>
+          <p:blipFill>
+            <a:blip r:embed="rId2"/>
+            <a:stretch>
+              <a:fillRect/>
+            </a:stretch>
+          </p:blipFill>
+          <p:spPr>
+            <a:xfrm>
+              <a:off x="1811226" y="4309181"/>
+              <a:ext cx="524594" cy="504155"/>
+            </a:xfrm>
+            <a:prstGeom prst="rect">
+              <a:avLst/>
+            </a:prstGeom>
+          </p:spPr>
+        </p:pic>
+        <p:sp>
+          <p:nvSpPr>
+            <p:cNvPr id="147" name="TextBox 146">
+              <a:extLst>
+                <a:ext uri="{FF2B5EF4-FFF2-40B4-BE49-F238E27FC236}">
+                  <a16:creationId xmlns:a16="http://schemas.microsoft.com/office/drawing/2014/main" id="{82CD60EF-F579-144E-9016-6CF9A98A94C4}"/>
+                </a:ext>
+              </a:extLst>
+            </p:cNvPr>
+            <p:cNvSpPr txBox="1"/>
+            <p:nvPr/>
+          </p:nvSpPr>
+          <p:spPr>
+            <a:xfrm>
+              <a:off x="2201114" y="4422758"/>
+              <a:ext cx="851182" cy="276999"/>
+            </a:xfrm>
+            <a:prstGeom prst="rect">
+              <a:avLst/>
+            </a:prstGeom>
+            <a:noFill/>
+          </p:spPr>
+          <p:txBody>
+            <a:bodyPr wrap="square" rtlCol="0">
+              <a:spAutoFit/>
+            </a:bodyPr>
+            <a:lstStyle/>
+            <a:p>
+              <a:pPr algn="ctr"/>
+              <a:r>
+                <a:rPr lang="en-US" sz="1200" dirty="0">
+                  <a:solidFill>
+                    <a:schemeClr val="tx1">
+                      <a:lumMod val="65000"/>
+                      <a:lumOff val="35000"/>
+                    </a:schemeClr>
+                  </a:solidFill>
+                </a:rPr>
+                <a:t>GitHub</a:t>
+              </a:r>
+              <a:endParaRPr lang="en-US" sz="1400" dirty="0">
+                <a:solidFill>
+                  <a:schemeClr val="tx1">
+                    <a:lumMod val="65000"/>
+                    <a:lumOff val="35000"/>
+                  </a:schemeClr>
+                </a:solidFill>
+              </a:endParaRPr>
+            </a:p>
+          </p:txBody>
+        </p:sp>
+      </p:grpSp>
+      <p:sp>
+        <p:nvSpPr>
+          <p:cNvPr id="123" name="Rounded Rectangle 122">
+            <a:extLst>
+              <a:ext uri="{FF2B5EF4-FFF2-40B4-BE49-F238E27FC236}">
+                <a16:creationId xmlns:a16="http://schemas.microsoft.com/office/drawing/2014/main" id="{0A90B391-09CE-E745-B03F-E71ED33313A1}"/>
+              </a:ext>
+            </a:extLst>
+          </p:cNvPr>
+          <p:cNvSpPr/>
+          <p:nvPr/>
+        </p:nvSpPr>
+        <p:spPr>
+          <a:xfrm>
+            <a:off x="4354877" y="3027004"/>
+            <a:ext cx="3029084" cy="1623068"/>
+          </a:xfrm>
+          <a:prstGeom prst="roundRect">
+            <a:avLst/>
+          </a:prstGeom>
+          <a:solidFill>
+            <a:schemeClr val="tx2">
+              <a:lumMod val="60000"/>
+              <a:lumOff val="40000"/>
+            </a:schemeClr>
+          </a:solidFill>
+          <a:ln w="28575">
+            <a:solidFill>
+              <a:srgbClr val="373F54"/>
+            </a:solidFill>
+            <a:prstDash val="sysDot"/>
+          </a:ln>
+        </p:spPr>
+        <p:style>
+          <a:lnRef idx="2">
+            <a:schemeClr val="accent1">
+              <a:shade val="50000"/>
+            </a:schemeClr>
+          </a:lnRef>
+          <a:fillRef idx="1">
+            <a:schemeClr val="accent1"/>
+          </a:fillRef>
+          <a:effectRef idx="0">
+            <a:schemeClr val="accent1"/>
+          </a:effectRef>
+          <a:fontRef idx="minor">
+            <a:schemeClr val="lt1"/>
+          </a:fontRef>
+        </p:style>
+        <p:txBody>
+          <a:bodyPr rtlCol="0" anchor="ctr"/>
+          <a:lstStyle/>
+          <a:p>
+            <a:pPr algn="ctr"/>
+            <a:endParaRPr lang="en-US" dirty="0"/>
+          </a:p>
+        </p:txBody>
+      </p:sp>
+      <p:sp>
+        <p:nvSpPr>
+          <p:cNvPr id="131" name="TextBox 130">
+            <a:extLst>
+              <a:ext uri="{FF2B5EF4-FFF2-40B4-BE49-F238E27FC236}">
+                <a16:creationId xmlns:a16="http://schemas.microsoft.com/office/drawing/2014/main" id="{2ECC2777-2AA4-7E41-9A22-16F6C2DD2487}"/>
+              </a:ext>
+            </a:extLst>
+          </p:cNvPr>
+          <p:cNvSpPr txBox="1"/>
+          <p:nvPr/>
+        </p:nvSpPr>
+        <p:spPr>
+          <a:xfrm>
+            <a:off x="4372724" y="3091646"/>
+            <a:ext cx="963138" cy="276999"/>
+          </a:xfrm>
+          <a:prstGeom prst="rect">
+            <a:avLst/>
+          </a:prstGeom>
+          <a:noFill/>
+        </p:spPr>
+        <p:txBody>
+          <a:bodyPr wrap="square" rtlCol="0">
+            <a:spAutoFit/>
+          </a:bodyPr>
+          <a:lstStyle/>
+          <a:p>
+            <a:pPr algn="ctr"/>
+            <a:r>
+              <a:rPr lang="en-US" sz="1200" b="1" dirty="0">
+                <a:solidFill>
+                  <a:schemeClr val="bg1"/>
+                </a:solidFill>
+              </a:rPr>
+              <a:t>AWS RDS</a:t>
+            </a:r>
+            <a:endParaRPr lang="en-US" sz="1400" b="1" dirty="0">
+              <a:solidFill>
+                <a:schemeClr val="bg1"/>
+              </a:solidFill>
+            </a:endParaRPr>
+          </a:p>
+        </p:txBody>
+      </p:sp>
+      <p:sp>
+        <p:nvSpPr>
+          <p:cNvPr id="110" name="Rounded Rectangle 109">
+            <a:extLst>
+              <a:ext uri="{FF2B5EF4-FFF2-40B4-BE49-F238E27FC236}">
+                <a16:creationId xmlns:a16="http://schemas.microsoft.com/office/drawing/2014/main" id="{B2C78C3B-F4F6-1E4F-B2A3-68777502ECED}"/>
+              </a:ext>
+            </a:extLst>
+          </p:cNvPr>
+          <p:cNvSpPr/>
+          <p:nvPr/>
+        </p:nvSpPr>
+        <p:spPr>
+          <a:xfrm>
+            <a:off x="4502653" y="3408142"/>
+            <a:ext cx="1430595" cy="1132671"/>
+          </a:xfrm>
+          <a:prstGeom prst="roundRect">
+            <a:avLst/>
+          </a:prstGeom>
+          <a:solidFill>
+            <a:schemeClr val="bg1"/>
+          </a:solidFill>
+          <a:ln w="38100">
+            <a:solidFill>
+              <a:schemeClr val="bg2"/>
+            </a:solidFill>
+          </a:ln>
+        </p:spPr>
+        <p:style>
+          <a:lnRef idx="2">
+            <a:schemeClr val="accent1">
+              <a:shade val="50000"/>
+            </a:schemeClr>
+          </a:lnRef>
+          <a:fillRef idx="1">
+            <a:schemeClr val="accent1"/>
+          </a:fillRef>
+          <a:effectRef idx="0">
+            <a:schemeClr val="accent1"/>
+          </a:effectRef>
+          <a:fontRef idx="minor">
+            <a:schemeClr val="lt1"/>
+          </a:fontRef>
+        </p:style>
+        <p:txBody>
+          <a:bodyPr rtlCol="0" anchor="ctr"/>
+          <a:lstStyle/>
+          <a:p>
+            <a:pPr algn="ctr"/>
+            <a:endParaRPr lang="en-US" dirty="0"/>
+          </a:p>
+        </p:txBody>
+      </p:sp>
+      <p:sp>
+        <p:nvSpPr>
+          <p:cNvPr id="111" name="TextBox 110">
+            <a:extLst>
+              <a:ext uri="{FF2B5EF4-FFF2-40B4-BE49-F238E27FC236}">
+                <a16:creationId xmlns:a16="http://schemas.microsoft.com/office/drawing/2014/main" id="{2C6C4A78-4B2B-A143-8D7E-9C385A7A8B61}"/>
+              </a:ext>
+            </a:extLst>
+          </p:cNvPr>
+          <p:cNvSpPr txBox="1"/>
+          <p:nvPr/>
+        </p:nvSpPr>
+        <p:spPr>
+          <a:xfrm>
+            <a:off x="4512233" y="3414788"/>
+            <a:ext cx="763601" cy="219558"/>
+          </a:xfrm>
+          <a:prstGeom prst="rect">
+            <a:avLst/>
+          </a:prstGeom>
+          <a:noFill/>
+        </p:spPr>
+        <p:txBody>
+          <a:bodyPr wrap="none" rtlCol="0">
+            <a:spAutoFit/>
+          </a:bodyPr>
+          <a:lstStyle/>
+          <a:p>
+            <a:r>
+              <a:rPr lang="en-US" sz="1200" dirty="0">
+                <a:solidFill>
+                  <a:schemeClr val="tx1">
+                    <a:lumMod val="65000"/>
+                    <a:lumOff val="35000"/>
+                  </a:schemeClr>
+                </a:solidFill>
+              </a:rPr>
+              <a:t>Data Storage</a:t>
+            </a:r>
+            <a:endParaRPr lang="en-US" sz="1400" dirty="0">
+              <a:solidFill>
+                <a:schemeClr val="tx1">
+                  <a:lumMod val="65000"/>
+                  <a:lumOff val="35000"/>
+                </a:schemeClr>
+              </a:solidFill>
+            </a:endParaRPr>
+          </a:p>
+        </p:txBody>
+      </p:sp>
+      <p:sp>
+        <p:nvSpPr>
+          <p:cNvPr id="167" name="Rectangle 166">
+            <a:extLst>
+              <a:ext uri="{FF2B5EF4-FFF2-40B4-BE49-F238E27FC236}">
+                <a16:creationId xmlns:a16="http://schemas.microsoft.com/office/drawing/2014/main" id="{5864F761-7B8A-D646-8476-6A307DB1B561}"/>
+              </a:ext>
+            </a:extLst>
+          </p:cNvPr>
+          <p:cNvSpPr/>
+          <p:nvPr/>
+        </p:nvSpPr>
+        <p:spPr>
+          <a:xfrm>
+            <a:off x="4571199" y="4130216"/>
+            <a:ext cx="1182548" cy="308488"/>
+          </a:xfrm>
+          <a:prstGeom prst="rect">
+            <a:avLst/>
+          </a:prstGeom>
+          <a:solidFill>
+            <a:schemeClr val="bg2"/>
+          </a:solidFill>
+          <a:ln>
+            <a:solidFill>
+              <a:schemeClr val="bg2">
+                <a:lumMod val="90000"/>
+              </a:schemeClr>
+            </a:solidFill>
+          </a:ln>
+        </p:spPr>
+        <p:style>
+          <a:lnRef idx="2">
+            <a:schemeClr val="accent1">
+              <a:shade val="50000"/>
+            </a:schemeClr>
+          </a:lnRef>
+          <a:fillRef idx="1">
+            <a:schemeClr val="accent1"/>
+          </a:fillRef>
+          <a:effectRef idx="0">
+            <a:schemeClr val="accent1"/>
+          </a:effectRef>
+          <a:fontRef idx="minor">
+            <a:schemeClr val="lt1"/>
+          </a:fontRef>
+        </p:style>
+        <p:txBody>
+          <a:bodyPr rtlCol="0" anchor="ctr"/>
+          <a:lstStyle/>
+          <a:p>
+            <a:pPr algn="ctr"/>
+            <a:endParaRPr lang="en-US" dirty="0"/>
+          </a:p>
+        </p:txBody>
+      </p:sp>
+      <p:sp>
+        <p:nvSpPr>
+          <p:cNvPr id="168" name="TextBox 167">
+            <a:extLst>
+              <a:ext uri="{FF2B5EF4-FFF2-40B4-BE49-F238E27FC236}">
+                <a16:creationId xmlns:a16="http://schemas.microsoft.com/office/drawing/2014/main" id="{235D3A51-2498-0444-9AFB-AB872645CB29}"/>
+              </a:ext>
+            </a:extLst>
+          </p:cNvPr>
+          <p:cNvSpPr txBox="1"/>
+          <p:nvPr/>
+        </p:nvSpPr>
+        <p:spPr>
+          <a:xfrm>
+            <a:off x="4607701" y="4161349"/>
+            <a:ext cx="978153" cy="246221"/>
+          </a:xfrm>
+          <a:prstGeom prst="rect">
+            <a:avLst/>
+          </a:prstGeom>
+          <a:noFill/>
+        </p:spPr>
+        <p:txBody>
+          <a:bodyPr wrap="none" rtlCol="0">
+            <a:spAutoFit/>
+          </a:bodyPr>
+          <a:lstStyle/>
+          <a:p>
+            <a:pPr algn="ctr"/>
+            <a:r>
+              <a:rPr lang="en-US" sz="1000" dirty="0"/>
+              <a:t>PostGreSQL DB</a:t>
+            </a:r>
+          </a:p>
+        </p:txBody>
+      </p:sp>
+      <p:pic>
+        <p:nvPicPr>
+          <p:cNvPr id="13" name="Picture 12">
+            <a:extLst>
+              <a:ext uri="{FF2B5EF4-FFF2-40B4-BE49-F238E27FC236}">
+                <a16:creationId xmlns:a16="http://schemas.microsoft.com/office/drawing/2014/main" id="{3BE8B775-CA55-8345-8BCC-0D609925F4EA}"/>
+              </a:ext>
+            </a:extLst>
+          </p:cNvPr>
+          <p:cNvPicPr>
+            <a:picLocks noChangeAspect="1"/>
+          </p:cNvPicPr>
+          <p:nvPr/>
+        </p:nvPicPr>
+        <p:blipFill>
+          <a:blip r:embed="rId3"/>
+          <a:stretch>
+            <a:fillRect/>
+          </a:stretch>
+        </p:blipFill>
+        <p:spPr>
+          <a:xfrm>
+            <a:off x="4623159" y="3686814"/>
+            <a:ext cx="1130588" cy="389168"/>
+          </a:xfrm>
+          <a:prstGeom prst="rect">
+            <a:avLst/>
+          </a:prstGeom>
+        </p:spPr>
+      </p:pic>
+      <p:pic>
+        <p:nvPicPr>
+          <p:cNvPr id="41" name="Picture 40">
+            <a:extLst>
+              <a:ext uri="{FF2B5EF4-FFF2-40B4-BE49-F238E27FC236}">
+                <a16:creationId xmlns:a16="http://schemas.microsoft.com/office/drawing/2014/main" id="{8B7B5593-FE57-9542-B3C7-7631EC3FA23D}"/>
+              </a:ext>
+            </a:extLst>
+          </p:cNvPr>
+          <p:cNvPicPr>
+            <a:picLocks noChangeAspect="1"/>
+          </p:cNvPicPr>
+          <p:nvPr/>
+        </p:nvPicPr>
+        <p:blipFill>
+          <a:blip r:embed="rId4"/>
+          <a:stretch>
+            <a:fillRect/>
+          </a:stretch>
+        </p:blipFill>
+        <p:spPr>
+          <a:xfrm>
+            <a:off x="5493822" y="3078551"/>
+            <a:ext cx="474629" cy="312085"/>
+          </a:xfrm>
+          <a:prstGeom prst="rect">
+            <a:avLst/>
+          </a:prstGeom>
+        </p:spPr>
+      </p:pic>
+      <p:grpSp>
+        <p:nvGrpSpPr>
+          <p:cNvPr id="234" name="Group 233"/>
+          <p:cNvGrpSpPr/>
+          <p:nvPr/>
+        </p:nvGrpSpPr>
+        <p:grpSpPr>
+          <a:xfrm>
+            <a:off x="2317538" y="4933533"/>
+            <a:ext cx="1383753" cy="1175797"/>
+            <a:chOff x="263372" y="692789"/>
+            <a:chExt cx="1383753" cy="1175797"/>
+          </a:xfrm>
+        </p:grpSpPr>
+        <p:sp>
+          <p:nvSpPr>
+            <p:cNvPr id="88" name="Rounded Rectangle 87">
+              <a:extLst/>
+            </p:cNvPr>
+            <p:cNvSpPr/>
+            <p:nvPr/>
+          </p:nvSpPr>
+          <p:spPr>
+            <a:xfrm>
+              <a:off x="263372" y="692789"/>
+              <a:ext cx="1383753" cy="1175797"/>
+            </a:xfrm>
+            <a:prstGeom prst="roundRect">
+              <a:avLst/>
+            </a:prstGeom>
+            <a:solidFill>
+              <a:schemeClr val="bg1"/>
+            </a:solidFill>
+            <a:ln w="38100">
+              <a:solidFill>
+                <a:schemeClr val="bg2"/>
+              </a:solidFill>
+            </a:ln>
+          </p:spPr>
+          <p:style>
+            <a:lnRef idx="2">
+              <a:schemeClr val="accent1">
+                <a:shade val="50000"/>
+              </a:schemeClr>
+            </a:lnRef>
+            <a:fillRef idx="1">
+              <a:schemeClr val="accent1"/>
+            </a:fillRef>
+            <a:effectRef idx="0">
+              <a:schemeClr val="accent1"/>
+            </a:effectRef>
+            <a:fontRef idx="minor">
+              <a:schemeClr val="lt1"/>
+            </a:fontRef>
+          </p:style>
+          <p:txBody>
+            <a:bodyPr rtlCol="0" anchor="ctr"/>
+            <a:lstStyle/>
+            <a:p>
+              <a:pPr algn="ctr"/>
+              <a:endParaRPr lang="en-US" dirty="0"/>
+            </a:p>
+          </p:txBody>
+        </p:sp>
+        <p:sp>
+          <p:nvSpPr>
+            <p:cNvPr id="89" name="TextBox 88">
+              <a:extLst/>
+            </p:cNvPr>
+            <p:cNvSpPr txBox="1"/>
+            <p:nvPr/>
+          </p:nvSpPr>
+          <p:spPr>
+            <a:xfrm>
+              <a:off x="546966" y="768143"/>
+              <a:ext cx="787396" cy="261610"/>
+            </a:xfrm>
+            <a:prstGeom prst="rect">
+              <a:avLst/>
+            </a:prstGeom>
+            <a:noFill/>
+          </p:spPr>
+          <p:txBody>
+            <a:bodyPr wrap="none" rtlCol="0">
+              <a:spAutoFit/>
+            </a:bodyPr>
+            <a:lstStyle/>
+            <a:p>
+              <a:pPr algn="ctr"/>
+              <a:r>
+                <a:rPr lang="en-US" sz="1100" dirty="0">
+                  <a:solidFill>
+                    <a:schemeClr val="tx1">
+                      <a:lumMod val="65000"/>
+                      <a:lumOff val="35000"/>
+                    </a:schemeClr>
+                  </a:solidFill>
+                </a:rPr>
+                <a:t>Input Data</a:t>
+              </a:r>
+            </a:p>
+          </p:txBody>
+        </p:sp>
+        <p:grpSp>
+          <p:nvGrpSpPr>
+            <p:cNvPr id="93" name="Group 92">
+              <a:extLst/>
+            </p:cNvPr>
+            <p:cNvGrpSpPr/>
+            <p:nvPr/>
+          </p:nvGrpSpPr>
+          <p:grpSpPr>
+            <a:xfrm>
+              <a:off x="513945" y="1011759"/>
+              <a:ext cx="977371" cy="307132"/>
+              <a:chOff x="1075043" y="2697000"/>
+              <a:chExt cx="977371" cy="307132"/>
+            </a:xfrm>
+          </p:grpSpPr>
+          <p:sp>
+            <p:nvSpPr>
+              <p:cNvPr id="94" name="Rectangle 93">
+                <a:extLst/>
+              </p:cNvPr>
+              <p:cNvSpPr/>
+              <p:nvPr/>
+            </p:nvSpPr>
+            <p:spPr>
+              <a:xfrm>
+                <a:off x="1075043" y="2697000"/>
+                <a:ext cx="977371" cy="307132"/>
+              </a:xfrm>
+              <a:prstGeom prst="rect">
+                <a:avLst/>
+              </a:prstGeom>
+              <a:solidFill>
+                <a:schemeClr val="bg2"/>
+              </a:solidFill>
+              <a:ln>
+                <a:solidFill>
+                  <a:schemeClr val="bg2">
+                    <a:lumMod val="90000"/>
+                  </a:schemeClr>
+                </a:solidFill>
+              </a:ln>
+            </p:spPr>
+            <p:style>
+              <a:lnRef idx="2">
+                <a:schemeClr val="accent1">
+                  <a:shade val="50000"/>
+                </a:schemeClr>
+              </a:lnRef>
+              <a:fillRef idx="1">
+                <a:schemeClr val="accent1"/>
+              </a:fillRef>
+              <a:effectRef idx="0">
+                <a:schemeClr val="accent1"/>
+              </a:effectRef>
+              <a:fontRef idx="minor">
+                <a:schemeClr val="lt1"/>
+              </a:fontRef>
+            </p:style>
+            <p:txBody>
+              <a:bodyPr rtlCol="0" anchor="ctr"/>
+              <a:lstStyle/>
+              <a:p>
+                <a:pPr algn="ctr"/>
+                <a:endParaRPr lang="en-US" dirty="0"/>
+              </a:p>
+            </p:txBody>
+          </p:sp>
+          <p:sp>
+            <p:nvSpPr>
+              <p:cNvPr id="95" name="TextBox 94">
+                <a:extLst/>
+              </p:cNvPr>
+              <p:cNvSpPr txBox="1"/>
+              <p:nvPr/>
+            </p:nvSpPr>
+            <p:spPr>
+              <a:xfrm>
+                <a:off x="1091725" y="2733508"/>
+                <a:ext cx="934871" cy="246221"/>
+              </a:xfrm>
+              <a:prstGeom prst="rect">
+                <a:avLst/>
+              </a:prstGeom>
+              <a:noFill/>
+            </p:spPr>
+            <p:txBody>
+              <a:bodyPr wrap="none" rtlCol="0">
+                <a:spAutoFit/>
+              </a:bodyPr>
+              <a:lstStyle/>
+              <a:p>
+                <a:pPr algn="ctr"/>
+                <a:r>
+                  <a:rPr lang="en-US" sz="1000" dirty="0"/>
+                  <a:t>boxofficemojo</a:t>
+                </a:r>
+              </a:p>
+            </p:txBody>
+          </p:sp>
+        </p:grpSp>
+        <p:grpSp>
+          <p:nvGrpSpPr>
+            <p:cNvPr id="97" name="Group 96">
+              <a:extLst/>
+            </p:cNvPr>
+            <p:cNvGrpSpPr/>
+            <p:nvPr/>
+          </p:nvGrpSpPr>
+          <p:grpSpPr>
+            <a:xfrm>
+              <a:off x="446471" y="1416483"/>
+              <a:ext cx="1117614" cy="308488"/>
+              <a:chOff x="998342" y="2695644"/>
+              <a:chExt cx="1117614" cy="308488"/>
+            </a:xfrm>
+          </p:grpSpPr>
+          <p:sp>
+            <p:nvSpPr>
+              <p:cNvPr id="98" name="Rectangle 97">
+                <a:extLst/>
+              </p:cNvPr>
+              <p:cNvSpPr/>
+              <p:nvPr/>
+            </p:nvSpPr>
+            <p:spPr>
+              <a:xfrm>
+                <a:off x="1075043" y="2695644"/>
+                <a:ext cx="968144" cy="308488"/>
+              </a:xfrm>
+              <a:prstGeom prst="rect">
+                <a:avLst/>
+              </a:prstGeom>
+              <a:solidFill>
+                <a:schemeClr val="bg2"/>
+              </a:solidFill>
+              <a:ln>
+                <a:solidFill>
+                  <a:schemeClr val="bg2">
+                    <a:lumMod val="90000"/>
+                  </a:schemeClr>
+                </a:solidFill>
+              </a:ln>
+            </p:spPr>
+            <p:style>
+              <a:lnRef idx="2">
+                <a:schemeClr val="accent1">
+                  <a:shade val="50000"/>
+                </a:schemeClr>
+              </a:lnRef>
+              <a:fillRef idx="1">
+                <a:schemeClr val="accent1"/>
+              </a:fillRef>
+              <a:effectRef idx="0">
+                <a:schemeClr val="accent1"/>
+              </a:effectRef>
+              <a:fontRef idx="minor">
+                <a:schemeClr val="lt1"/>
+              </a:fontRef>
+            </p:style>
+            <p:txBody>
+              <a:bodyPr rtlCol="0" anchor="ctr"/>
+              <a:lstStyle/>
+              <a:p>
+                <a:pPr algn="ctr"/>
+                <a:endParaRPr lang="en-US" dirty="0"/>
+              </a:p>
+            </p:txBody>
+          </p:sp>
+          <p:sp>
+            <p:nvSpPr>
+              <p:cNvPr id="100" name="TextBox 99">
+                <a:extLst/>
+              </p:cNvPr>
+              <p:cNvSpPr txBox="1"/>
+              <p:nvPr/>
+            </p:nvSpPr>
+            <p:spPr>
+              <a:xfrm>
+                <a:off x="998342" y="2726777"/>
+                <a:ext cx="1117614" cy="246221"/>
+              </a:xfrm>
+              <a:prstGeom prst="rect">
+                <a:avLst/>
+              </a:prstGeom>
+              <a:noFill/>
+            </p:spPr>
+            <p:txBody>
+              <a:bodyPr wrap="none" rtlCol="0">
+                <a:spAutoFit/>
+              </a:bodyPr>
+              <a:lstStyle/>
+              <a:p>
+                <a:pPr algn="ctr"/>
+                <a:r>
+                  <a:rPr lang="en-US" sz="1000" dirty="0"/>
+                  <a:t>the-numbers.com</a:t>
+                </a:r>
+              </a:p>
+            </p:txBody>
+          </p:sp>
+        </p:grpSp>
+      </p:grpSp>
+      <p:grpSp>
+        <p:nvGrpSpPr>
+          <p:cNvPr id="228" name="Group 227"/>
+          <p:cNvGrpSpPr/>
+          <p:nvPr/>
+        </p:nvGrpSpPr>
+        <p:grpSpPr>
+          <a:xfrm>
+            <a:off x="2046064" y="2980918"/>
+            <a:ext cx="1926697" cy="1704112"/>
+            <a:chOff x="2418535" y="1491289"/>
+            <a:chExt cx="1926697" cy="1704112"/>
+          </a:xfrm>
+        </p:grpSpPr>
+        <p:sp>
+          <p:nvSpPr>
+            <p:cNvPr id="169" name="Rounded Rectangle 168">
+              <a:extLst>
+                <a:ext uri="{FF2B5EF4-FFF2-40B4-BE49-F238E27FC236}">
+                  <a16:creationId xmlns:a16="http://schemas.microsoft.com/office/drawing/2014/main" id="{F9095E1C-0645-A74B-82E2-3D46D4458542}"/>
+                </a:ext>
+              </a:extLst>
+            </p:cNvPr>
+            <p:cNvSpPr/>
+            <p:nvPr/>
+          </p:nvSpPr>
+          <p:spPr>
+            <a:xfrm>
+              <a:off x="2418535" y="1491289"/>
+              <a:ext cx="1926697" cy="1704112"/>
+            </a:xfrm>
+            <a:prstGeom prst="roundRect">
+              <a:avLst/>
+            </a:prstGeom>
+            <a:solidFill>
+              <a:schemeClr val="bg1"/>
+            </a:solidFill>
+            <a:ln w="38100">
+              <a:solidFill>
+                <a:schemeClr val="bg2"/>
+              </a:solidFill>
+            </a:ln>
+          </p:spPr>
+          <p:style>
+            <a:lnRef idx="2">
+              <a:schemeClr val="accent1">
+                <a:shade val="50000"/>
+              </a:schemeClr>
+            </a:lnRef>
+            <a:fillRef idx="1">
+              <a:schemeClr val="accent1"/>
+            </a:fillRef>
+            <a:effectRef idx="0">
+              <a:schemeClr val="accent1"/>
+            </a:effectRef>
+            <a:fontRef idx="minor">
+              <a:schemeClr val="lt1"/>
+            </a:fontRef>
+          </p:style>
+          <p:txBody>
+            <a:bodyPr rtlCol="0" anchor="ctr"/>
+            <a:lstStyle/>
+            <a:p>
+              <a:pPr algn="ctr"/>
+              <a:endParaRPr lang="en-US" dirty="0"/>
+            </a:p>
+          </p:txBody>
+        </p:sp>
+        <p:grpSp>
+          <p:nvGrpSpPr>
+            <p:cNvPr id="31" name="Group 30"/>
+            <p:cNvGrpSpPr/>
+            <p:nvPr/>
+          </p:nvGrpSpPr>
+          <p:grpSpPr>
+            <a:xfrm>
+              <a:off x="2825469" y="1654982"/>
+              <a:ext cx="1182548" cy="308488"/>
+              <a:chOff x="3734686" y="3591793"/>
+              <a:chExt cx="1182548" cy="308488"/>
+            </a:xfrm>
+          </p:grpSpPr>
+          <p:sp>
+            <p:nvSpPr>
+              <p:cNvPr id="164" name="Rectangle 163">
+                <a:extLst>
+                  <a:ext uri="{FF2B5EF4-FFF2-40B4-BE49-F238E27FC236}">
+                    <a16:creationId xmlns:a16="http://schemas.microsoft.com/office/drawing/2014/main" id="{F3085A86-61B5-6C40-84DB-5972D7E7303B}"/>
+                  </a:ext>
+                </a:extLst>
+              </p:cNvPr>
+              <p:cNvSpPr/>
+              <p:nvPr/>
+            </p:nvSpPr>
+            <p:spPr>
+              <a:xfrm>
+                <a:off x="3734686" y="3591793"/>
+                <a:ext cx="1182548" cy="308488"/>
+              </a:xfrm>
+              <a:prstGeom prst="rect">
+                <a:avLst/>
+              </a:prstGeom>
+              <a:solidFill>
+                <a:schemeClr val="bg2"/>
+              </a:solidFill>
+              <a:ln>
+                <a:solidFill>
+                  <a:schemeClr val="bg2">
+                    <a:lumMod val="90000"/>
+                  </a:schemeClr>
+                </a:solidFill>
+              </a:ln>
+            </p:spPr>
+            <p:style>
+              <a:lnRef idx="2">
+                <a:schemeClr val="accent1">
+                  <a:shade val="50000"/>
+                </a:schemeClr>
+              </a:lnRef>
+              <a:fillRef idx="1">
+                <a:schemeClr val="accent1"/>
+              </a:fillRef>
+              <a:effectRef idx="0">
+                <a:schemeClr val="accent1"/>
+              </a:effectRef>
+              <a:fontRef idx="minor">
+                <a:schemeClr val="lt1"/>
+              </a:fontRef>
+            </p:style>
+            <p:txBody>
+              <a:bodyPr rtlCol="0" anchor="ctr"/>
+              <a:lstStyle/>
+              <a:p>
+                <a:pPr algn="ctr"/>
+                <a:endParaRPr lang="en-US" dirty="0"/>
+              </a:p>
+            </p:txBody>
+          </p:sp>
+          <p:sp>
+            <p:nvSpPr>
+              <p:cNvPr id="165" name="TextBox 164">
+                <a:extLst>
+                  <a:ext uri="{FF2B5EF4-FFF2-40B4-BE49-F238E27FC236}">
+                    <a16:creationId xmlns:a16="http://schemas.microsoft.com/office/drawing/2014/main" id="{7F5532DA-C424-644A-99D2-96300CC6D764}"/>
+                  </a:ext>
+                </a:extLst>
+              </p:cNvPr>
+              <p:cNvSpPr txBox="1"/>
+              <p:nvPr/>
+            </p:nvSpPr>
+            <p:spPr>
+              <a:xfrm>
+                <a:off x="3856925" y="3622926"/>
+                <a:ext cx="938077" cy="246221"/>
+              </a:xfrm>
+              <a:prstGeom prst="rect">
+                <a:avLst/>
+              </a:prstGeom>
+              <a:noFill/>
+            </p:spPr>
+            <p:txBody>
+              <a:bodyPr wrap="none" rtlCol="0">
+                <a:spAutoFit/>
+              </a:bodyPr>
+              <a:lstStyle/>
+              <a:p>
+                <a:pPr algn="ctr"/>
+                <a:r>
+                  <a:rPr lang="en-US" sz="1000" dirty="0"/>
+                  <a:t>Data Ingestion</a:t>
+                </a:r>
+              </a:p>
+            </p:txBody>
+          </p:sp>
+        </p:grpSp>
+        <p:pic>
+          <p:nvPicPr>
+            <p:cNvPr id="71" name="Picture 70">
+              <a:extLst>
+                <a:ext uri="{FF2B5EF4-FFF2-40B4-BE49-F238E27FC236}">
+                  <a16:creationId xmlns:a16="http://schemas.microsoft.com/office/drawing/2014/main" id="{57BEB027-0F06-DB40-8214-EAE6B5F14D26}"/>
+                </a:ext>
+              </a:extLst>
+            </p:cNvPr>
+            <p:cNvPicPr>
+              <a:picLocks noChangeAspect="1"/>
+            </p:cNvPicPr>
+            <p:nvPr/>
+          </p:nvPicPr>
+          <p:blipFill>
+            <a:blip r:embed="rId5"/>
+            <a:stretch>
+              <a:fillRect/>
+            </a:stretch>
+          </p:blipFill>
+          <p:spPr>
+            <a:xfrm>
+              <a:off x="2923737" y="2697145"/>
+              <a:ext cx="962048" cy="369124"/>
+            </a:xfrm>
+            <a:prstGeom prst="rect">
+              <a:avLst/>
+            </a:prstGeom>
+          </p:spPr>
+        </p:pic>
+        <p:pic>
+          <p:nvPicPr>
+            <p:cNvPr id="6" name="Picture 5">
+              <a:extLst>
+                <a:ext uri="{FF2B5EF4-FFF2-40B4-BE49-F238E27FC236}">
+                  <a16:creationId xmlns:a16="http://schemas.microsoft.com/office/drawing/2014/main" id="{FF952D4A-16B3-3744-ACCE-2E417BF78606}"/>
+                </a:ext>
+              </a:extLst>
+            </p:cNvPr>
+            <p:cNvPicPr>
+              <a:picLocks noChangeAspect="1"/>
+            </p:cNvPicPr>
+            <p:nvPr/>
+          </p:nvPicPr>
+          <p:blipFill>
+            <a:blip r:embed="rId6"/>
+            <a:stretch>
+              <a:fillRect/>
+            </a:stretch>
+          </p:blipFill>
+          <p:spPr>
+            <a:xfrm>
+              <a:off x="2638958" y="2034427"/>
+              <a:ext cx="538842" cy="602773"/>
+            </a:xfrm>
+            <a:prstGeom prst="rect">
+              <a:avLst/>
+            </a:prstGeom>
+          </p:spPr>
+        </p:pic>
+        <p:pic>
+          <p:nvPicPr>
+            <p:cNvPr id="122" name="Picture 121">
+              <a:extLst/>
+            </p:cNvPr>
+            <p:cNvPicPr>
+              <a:picLocks noChangeAspect="1"/>
+            </p:cNvPicPr>
+            <p:nvPr/>
+          </p:nvPicPr>
+          <p:blipFill>
+            <a:blip r:embed="rId7"/>
+            <a:stretch>
+              <a:fillRect/>
+            </a:stretch>
+          </p:blipFill>
+          <p:spPr>
+            <a:xfrm>
+              <a:off x="3247916" y="2103604"/>
+              <a:ext cx="1065918" cy="348251"/>
+            </a:xfrm>
+            <a:prstGeom prst="rect">
+              <a:avLst/>
+            </a:prstGeom>
+          </p:spPr>
+        </p:pic>
+      </p:grpSp>
+      <p:cxnSp>
+        <p:nvCxnSpPr>
+          <p:cNvPr id="132" name="Elbow Connector 131">
+            <a:extLst/>
+          </p:cNvPr>
+          <p:cNvCxnSpPr>
+            <a:cxnSpLocks/>
+            <a:endCxn id="169" idx="2"/>
+          </p:cNvCxnSpPr>
+          <p:nvPr/>
+        </p:nvCxnSpPr>
+        <p:spPr>
+          <a:xfrm rot="16200000" flipV="1">
+            <a:off x="2846837" y="4847607"/>
+            <a:ext cx="325155" cy="2"/>
+          </a:xfrm>
+          <a:prstGeom prst="bentConnector3">
+            <a:avLst>
+              <a:gd name="adj1" fmla="val 50000"/>
+            </a:avLst>
+          </a:prstGeom>
+          <a:ln w="28575">
+            <a:tailEnd type="triangle"/>
+          </a:ln>
+        </p:spPr>
+        <p:style>
+          <a:lnRef idx="1">
+            <a:schemeClr val="dk1"/>
+          </a:lnRef>
+          <a:fillRef idx="0">
+            <a:schemeClr val="dk1"/>
+          </a:fillRef>
+          <a:effectRef idx="0">
+            <a:schemeClr val="dk1"/>
+          </a:effectRef>
+          <a:fontRef idx="minor">
+            <a:schemeClr val="tx1"/>
+          </a:fontRef>
+        </p:style>
+      </p:cxnSp>
+      <p:cxnSp>
+        <p:nvCxnSpPr>
+          <p:cNvPr id="237" name="Straight Arrow Connector 236"/>
+          <p:cNvCxnSpPr>
+            <a:stCxn id="169" idx="3"/>
+            <a:endCxn id="123" idx="1"/>
+          </p:cNvCxnSpPr>
+          <p:nvPr/>
+        </p:nvCxnSpPr>
+        <p:spPr>
+          <a:xfrm>
+            <a:off x="3972761" y="3832974"/>
+            <a:ext cx="382116" cy="5564"/>
+          </a:xfrm>
+          <a:prstGeom prst="straightConnector1">
+            <a:avLst/>
+          </a:prstGeom>
+          <a:ln w="28575">
+            <a:tailEnd type="triangle"/>
+          </a:ln>
+        </p:spPr>
+        <p:style>
+          <a:lnRef idx="1">
+            <a:schemeClr val="dk1"/>
+          </a:lnRef>
+          <a:fillRef idx="0">
+            <a:schemeClr val="dk1"/>
+          </a:fillRef>
+          <a:effectRef idx="0">
+            <a:schemeClr val="dk1"/>
+          </a:effectRef>
+          <a:fontRef idx="minor">
+            <a:schemeClr val="tx1"/>
+          </a:fontRef>
+        </p:style>
+      </p:cxnSp>
+      <p:cxnSp>
+        <p:nvCxnSpPr>
+          <p:cNvPr id="244" name="Straight Arrow Connector 243"/>
+          <p:cNvCxnSpPr/>
+          <p:nvPr/>
+        </p:nvCxnSpPr>
+        <p:spPr>
+          <a:xfrm flipV="1">
+            <a:off x="4921407" y="4528462"/>
+            <a:ext cx="0" cy="776788"/>
+          </a:xfrm>
+          <a:prstGeom prst="straightConnector1">
+            <a:avLst/>
+          </a:prstGeom>
+          <a:ln w="28575">
+            <a:tailEnd type="triangle"/>
+          </a:ln>
+        </p:spPr>
+        <p:style>
+          <a:lnRef idx="1">
+            <a:schemeClr val="dk1"/>
+          </a:lnRef>
+          <a:fillRef idx="0">
+            <a:schemeClr val="dk1"/>
+          </a:fillRef>
+          <a:effectRef idx="0">
+            <a:schemeClr val="dk1"/>
+          </a:effectRef>
+          <a:fontRef idx="minor">
+            <a:schemeClr val="tx1"/>
+          </a:fontRef>
+        </p:style>
+      </p:cxnSp>
+      <p:cxnSp>
+        <p:nvCxnSpPr>
+          <p:cNvPr id="43" name="Elbow Connector 42"/>
+          <p:cNvCxnSpPr>
+            <a:stCxn id="130" idx="1"/>
+            <a:endCxn id="169" idx="0"/>
+          </p:cNvCxnSpPr>
+          <p:nvPr/>
+        </p:nvCxnSpPr>
+        <p:spPr>
+          <a:xfrm rot="10800000" flipV="1">
+            <a:off x="3009413" y="1294166"/>
+            <a:ext cx="1493328" cy="1686752"/>
+          </a:xfrm>
+          <a:prstGeom prst="bentConnector2">
+            <a:avLst/>
+          </a:prstGeom>
+          <a:ln w="28575">
+            <a:prstDash val="dash"/>
+            <a:headEnd type="triangle" w="med" len="med"/>
+            <a:tailEnd type="triangle" w="med" len="med"/>
+          </a:ln>
+        </p:spPr>
+        <p:style>
+          <a:lnRef idx="1">
+            <a:schemeClr val="dk1"/>
+          </a:lnRef>
+          <a:fillRef idx="0">
+            <a:schemeClr val="dk1"/>
+          </a:fillRef>
+          <a:effectRef idx="0">
+            <a:schemeClr val="dk1"/>
+          </a:effectRef>
+          <a:fontRef idx="minor">
+            <a:schemeClr val="tx1"/>
+          </a:fontRef>
+        </p:style>
+      </p:cxnSp>
+      <p:cxnSp>
+        <p:nvCxnSpPr>
+          <p:cNvPr id="45" name="Straight Arrow Connector 44"/>
+          <p:cNvCxnSpPr>
+            <a:stCxn id="130" idx="2"/>
+            <a:endCxn id="210" idx="0"/>
+          </p:cNvCxnSpPr>
+          <p:nvPr/>
+        </p:nvCxnSpPr>
+        <p:spPr>
+          <a:xfrm>
+            <a:off x="5198630" y="1605400"/>
+            <a:ext cx="12448" cy="341634"/>
+          </a:xfrm>
+          <a:prstGeom prst="straightConnector1">
+            <a:avLst/>
+          </a:prstGeom>
+          <a:ln w="28575">
+            <a:prstDash val="dash"/>
+            <a:headEnd type="triangle" w="med" len="med"/>
+            <a:tailEnd type="triangle" w="med" len="med"/>
+          </a:ln>
+        </p:spPr>
+        <p:style>
+          <a:lnRef idx="1">
+            <a:schemeClr val="dk1"/>
+          </a:lnRef>
+          <a:fillRef idx="0">
+            <a:schemeClr val="dk1"/>
+          </a:fillRef>
+          <a:effectRef idx="0">
+            <a:schemeClr val="dk1"/>
+          </a:effectRef>
+          <a:fontRef idx="minor">
+            <a:schemeClr val="tx1"/>
+          </a:fontRef>
+        </p:style>
+      </p:cxnSp>
+      <p:cxnSp>
+        <p:nvCxnSpPr>
+          <p:cNvPr id="157" name="Elbow Connector 156"/>
+          <p:cNvCxnSpPr>
+            <a:stCxn id="91" idx="0"/>
+            <a:endCxn id="147" idx="3"/>
+          </p:cNvCxnSpPr>
+          <p:nvPr/>
+        </p:nvCxnSpPr>
+        <p:spPr>
+          <a:xfrm rot="16200000" flipV="1">
+            <a:off x="6291227" y="904706"/>
+            <a:ext cx="2332416" cy="3125834"/>
+          </a:xfrm>
+          <a:prstGeom prst="bentConnector2">
+            <a:avLst/>
+          </a:prstGeom>
+          <a:ln w="28575">
+            <a:prstDash val="dash"/>
+            <a:headEnd type="triangle" w="med" len="med"/>
+            <a:tailEnd type="triangle" w="med" len="med"/>
+          </a:ln>
+        </p:spPr>
+        <p:style>
+          <a:lnRef idx="1">
+            <a:schemeClr val="dk1"/>
+          </a:lnRef>
+          <a:fillRef idx="0">
+            <a:schemeClr val="dk1"/>
+          </a:fillRef>
+          <a:effectRef idx="0">
+            <a:schemeClr val="dk1"/>
+          </a:effectRef>
+          <a:fontRef idx="minor">
+            <a:schemeClr val="tx1"/>
+          </a:fontRef>
+        </p:style>
+      </p:cxnSp>
+      <p:sp>
+        <p:nvSpPr>
+          <p:cNvPr id="210" name="Rounded Rectangle 209">
+            <a:extLst>
+              <a:ext uri="{FF2B5EF4-FFF2-40B4-BE49-F238E27FC236}">
+                <a16:creationId xmlns:a16="http://schemas.microsoft.com/office/drawing/2014/main" id="{C4D67E17-914E-A140-AE37-1B72D4058154}"/>
+              </a:ext>
+            </a:extLst>
+          </p:cNvPr>
+          <p:cNvSpPr/>
+          <p:nvPr/>
+        </p:nvSpPr>
+        <p:spPr>
+          <a:xfrm>
+            <a:off x="4516693" y="1947034"/>
+            <a:ext cx="1388770" cy="782145"/>
+          </a:xfrm>
+          <a:prstGeom prst="roundRect">
+            <a:avLst/>
+          </a:prstGeom>
+          <a:solidFill>
+            <a:schemeClr val="bg1"/>
+          </a:solidFill>
+          <a:ln w="38100">
+            <a:solidFill>
+              <a:schemeClr val="bg2"/>
+            </a:solidFill>
+          </a:ln>
+        </p:spPr>
+        <p:style>
+          <a:lnRef idx="2">
+            <a:schemeClr val="accent1">
+              <a:shade val="50000"/>
+            </a:schemeClr>
+          </a:lnRef>
+          <a:fillRef idx="1">
+            <a:schemeClr val="accent1"/>
+          </a:fillRef>
+          <a:effectRef idx="0">
+            <a:schemeClr val="accent1"/>
+          </a:effectRef>
+          <a:fontRef idx="minor">
+            <a:schemeClr val="lt1"/>
+          </a:fontRef>
+        </p:style>
+        <p:txBody>
+          <a:bodyPr rtlCol="0" anchor="ctr"/>
+          <a:lstStyle/>
+          <a:p>
+            <a:pPr algn="ctr"/>
+            <a:endParaRPr lang="en-US" dirty="0"/>
+          </a:p>
+        </p:txBody>
+      </p:sp>
+      <p:sp>
+        <p:nvSpPr>
+          <p:cNvPr id="211" name="TextBox 210">
+            <a:extLst>
+              <a:ext uri="{FF2B5EF4-FFF2-40B4-BE49-F238E27FC236}">
+                <a16:creationId xmlns:a16="http://schemas.microsoft.com/office/drawing/2014/main" id="{3374B9CD-5930-2945-A9B0-74C8208423F1}"/>
+              </a:ext>
+            </a:extLst>
+          </p:cNvPr>
+          <p:cNvSpPr txBox="1"/>
+          <p:nvPr/>
+        </p:nvSpPr>
+        <p:spPr>
+          <a:xfrm>
+            <a:off x="4569190" y="2428603"/>
+            <a:ext cx="1243518" cy="338554"/>
+          </a:xfrm>
+          <a:prstGeom prst="rect">
+            <a:avLst/>
+          </a:prstGeom>
+          <a:noFill/>
+        </p:spPr>
+        <p:txBody>
+          <a:bodyPr wrap="square" rtlCol="0">
+            <a:spAutoFit/>
+          </a:bodyPr>
+          <a:lstStyle/>
+          <a:p>
+            <a:pPr algn="ctr"/>
+            <a:r>
+              <a:rPr lang="en-US" sz="1600" dirty="0">
+                <a:solidFill>
+                  <a:schemeClr val="tx1">
+                    <a:lumMod val="65000"/>
+                    <a:lumOff val="35000"/>
+                  </a:schemeClr>
+                </a:solidFill>
+              </a:rPr>
+              <a:t>SQL</a:t>
+            </a:r>
+            <a:endParaRPr lang="en-US" dirty="0">
+              <a:solidFill>
+                <a:schemeClr val="tx1">
+                  <a:lumMod val="65000"/>
+                  <a:lumOff val="35000"/>
+                </a:schemeClr>
+              </a:solidFill>
+            </a:endParaRPr>
+          </a:p>
+        </p:txBody>
+      </p:sp>
+      <p:pic>
+        <p:nvPicPr>
+          <p:cNvPr id="257" name="Picture 256"/>
+          <p:cNvPicPr>
+            <a:picLocks noChangeAspect="1"/>
+          </p:cNvPicPr>
+          <p:nvPr/>
+        </p:nvPicPr>
+        <p:blipFill>
+          <a:blip r:embed="rId8"/>
+          <a:stretch>
+            <a:fillRect/>
+          </a:stretch>
+        </p:blipFill>
+        <p:spPr>
+          <a:xfrm>
+            <a:off x="4757541" y="2068328"/>
+            <a:ext cx="960362" cy="369370"/>
+          </a:xfrm>
+          <a:prstGeom prst="rect">
+            <a:avLst/>
+          </a:prstGeom>
+        </p:spPr>
+      </p:pic>
+      <p:cxnSp>
+        <p:nvCxnSpPr>
+          <p:cNvPr id="262" name="Straight Arrow Connector 261"/>
+          <p:cNvCxnSpPr>
+            <a:stCxn id="110" idx="0"/>
+            <a:endCxn id="210" idx="2"/>
+          </p:cNvCxnSpPr>
+          <p:nvPr/>
+        </p:nvCxnSpPr>
+        <p:spPr>
+          <a:xfrm flipH="1" flipV="1">
+            <a:off x="5211078" y="2729179"/>
+            <a:ext cx="6873" cy="678963"/>
+          </a:xfrm>
+          <a:prstGeom prst="straightConnector1">
+            <a:avLst/>
+          </a:prstGeom>
+          <a:ln w="28575">
+            <a:headEnd type="triangle" w="med" len="med"/>
+            <a:tailEnd type="triangle" w="med" len="med"/>
+          </a:ln>
+        </p:spPr>
+        <p:style>
+          <a:lnRef idx="1">
+            <a:schemeClr val="dk1"/>
+          </a:lnRef>
+          <a:fillRef idx="0">
+            <a:schemeClr val="dk1"/>
+          </a:fillRef>
+          <a:effectRef idx="0">
+            <a:schemeClr val="dk1"/>
+          </a:effectRef>
+          <a:fontRef idx="minor">
+            <a:schemeClr val="tx1"/>
+          </a:fontRef>
+        </p:style>
+      </p:cxnSp>
+      <p:grpSp>
+        <p:nvGrpSpPr>
+          <p:cNvPr id="268" name="Group 267"/>
+          <p:cNvGrpSpPr/>
+          <p:nvPr/>
+        </p:nvGrpSpPr>
+        <p:grpSpPr>
+          <a:xfrm>
+            <a:off x="7872428" y="3633831"/>
+            <a:ext cx="2295847" cy="2448238"/>
+            <a:chOff x="7240312" y="2609926"/>
+            <a:chExt cx="2295847" cy="2448238"/>
+          </a:xfrm>
+        </p:grpSpPr>
+        <p:grpSp>
+          <p:nvGrpSpPr>
+            <p:cNvPr id="57" name="Group 56"/>
+            <p:cNvGrpSpPr/>
+            <p:nvPr/>
+          </p:nvGrpSpPr>
+          <p:grpSpPr>
+            <a:xfrm>
+              <a:off x="7240312" y="2609926"/>
+              <a:ext cx="2295847" cy="2448238"/>
+              <a:chOff x="5855029" y="2434717"/>
+              <a:chExt cx="2295847" cy="2448238"/>
+            </a:xfrm>
+          </p:grpSpPr>
+          <p:sp>
+            <p:nvSpPr>
+              <p:cNvPr id="91" name="Rounded Rectangle 90">
+                <a:extLst>
+                  <a:ext uri="{FF2B5EF4-FFF2-40B4-BE49-F238E27FC236}">
+                    <a16:creationId xmlns:a16="http://schemas.microsoft.com/office/drawing/2014/main" id="{39D31614-2729-084B-A433-DEE3792F5319}"/>
+                  </a:ext>
+                </a:extLst>
+              </p:cNvPr>
+              <p:cNvSpPr/>
+              <p:nvPr/>
+            </p:nvSpPr>
+            <p:spPr>
+              <a:xfrm>
+                <a:off x="5855029" y="2434717"/>
+                <a:ext cx="2295847" cy="2448238"/>
+              </a:xfrm>
+              <a:prstGeom prst="roundRect">
+                <a:avLst/>
+              </a:prstGeom>
+              <a:solidFill>
+                <a:schemeClr val="bg1"/>
+              </a:solidFill>
+              <a:ln w="38100">
+                <a:solidFill>
+                  <a:schemeClr val="bg2"/>
+                </a:solidFill>
+              </a:ln>
+            </p:spPr>
+            <p:style>
+              <a:lnRef idx="2">
+                <a:schemeClr val="accent1">
+                  <a:shade val="50000"/>
+                </a:schemeClr>
+              </a:lnRef>
+              <a:fillRef idx="1">
+                <a:schemeClr val="accent1"/>
+              </a:fillRef>
+              <a:effectRef idx="0">
+                <a:schemeClr val="accent1"/>
+              </a:effectRef>
+              <a:fontRef idx="minor">
+                <a:schemeClr val="lt1"/>
+              </a:fontRef>
+            </p:style>
+            <p:txBody>
+              <a:bodyPr rtlCol="0" anchor="ctr"/>
+              <a:lstStyle/>
+              <a:p>
+                <a:pPr algn="ctr"/>
+                <a:endParaRPr lang="en-US" dirty="0"/>
+              </a:p>
+            </p:txBody>
+          </p:sp>
+          <p:grpSp>
+            <p:nvGrpSpPr>
+              <p:cNvPr id="104" name="Group 103">
+                <a:extLst>
+                  <a:ext uri="{FF2B5EF4-FFF2-40B4-BE49-F238E27FC236}">
+                    <a16:creationId xmlns:a16="http://schemas.microsoft.com/office/drawing/2014/main" id="{B18A6521-C899-E547-9455-573A90238B29}"/>
+                  </a:ext>
+                </a:extLst>
+              </p:cNvPr>
+              <p:cNvGrpSpPr/>
+              <p:nvPr/>
+            </p:nvGrpSpPr>
+            <p:grpSpPr>
+              <a:xfrm>
+                <a:off x="6036404" y="3079647"/>
+                <a:ext cx="1231427" cy="308488"/>
+                <a:chOff x="1050607" y="2695644"/>
+                <a:chExt cx="1231427" cy="308488"/>
+              </a:xfrm>
+            </p:grpSpPr>
+            <p:sp>
+              <p:nvSpPr>
+                <p:cNvPr id="96" name="Rectangle 95">
+                  <a:extLst>
+                    <a:ext uri="{FF2B5EF4-FFF2-40B4-BE49-F238E27FC236}">
+                      <a16:creationId xmlns:a16="http://schemas.microsoft.com/office/drawing/2014/main" id="{0E0FF664-0D7A-8C41-9949-1BA2BEE48A8D}"/>
+                    </a:ext>
+                  </a:extLst>
+                </p:cNvPr>
+                <p:cNvSpPr/>
+                <p:nvPr/>
+              </p:nvSpPr>
+              <p:spPr>
+                <a:xfrm>
+                  <a:off x="1075043" y="2695644"/>
+                  <a:ext cx="1182548" cy="308488"/>
+                </a:xfrm>
+                <a:prstGeom prst="rect">
+                  <a:avLst/>
+                </a:prstGeom>
+                <a:solidFill>
+                  <a:schemeClr val="bg2"/>
+                </a:solidFill>
+                <a:ln>
+                  <a:solidFill>
+                    <a:schemeClr val="bg2">
+                      <a:lumMod val="90000"/>
+                    </a:schemeClr>
+                  </a:solidFill>
+                </a:ln>
+              </p:spPr>
+              <p:style>
+                <a:lnRef idx="2">
+                  <a:schemeClr val="accent1">
+                    <a:shade val="50000"/>
+                  </a:schemeClr>
+                </a:lnRef>
+                <a:fillRef idx="1">
+                  <a:schemeClr val="accent1"/>
+                </a:fillRef>
+                <a:effectRef idx="0">
+                  <a:schemeClr val="accent1"/>
+                </a:effectRef>
+                <a:fontRef idx="minor">
+                  <a:schemeClr val="lt1"/>
+                </a:fontRef>
+              </p:style>
+              <p:txBody>
+                <a:bodyPr rtlCol="0" anchor="ctr"/>
+                <a:lstStyle/>
+                <a:p>
+                  <a:pPr algn="ctr"/>
+                  <a:endParaRPr lang="en-US" dirty="0"/>
+                </a:p>
+              </p:txBody>
+            </p:sp>
+            <p:sp>
+              <p:nvSpPr>
+                <p:cNvPr id="99" name="TextBox 98">
+                  <a:extLst>
+                    <a:ext uri="{FF2B5EF4-FFF2-40B4-BE49-F238E27FC236}">
+                      <a16:creationId xmlns:a16="http://schemas.microsoft.com/office/drawing/2014/main" id="{35A53DBD-BEB1-7B4E-9DAE-4AD9BA330A80}"/>
+                    </a:ext>
+                  </a:extLst>
+                </p:cNvPr>
+                <p:cNvSpPr txBox="1"/>
+                <p:nvPr/>
+              </p:nvSpPr>
+              <p:spPr>
+                <a:xfrm>
+                  <a:off x="1050607" y="2726777"/>
+                  <a:ext cx="1231427" cy="246221"/>
+                </a:xfrm>
+                <a:prstGeom prst="rect">
+                  <a:avLst/>
+                </a:prstGeom>
+                <a:noFill/>
+              </p:spPr>
+              <p:txBody>
+                <a:bodyPr wrap="none" rtlCol="0">
+                  <a:spAutoFit/>
+                </a:bodyPr>
+                <a:lstStyle/>
+                <a:p>
+                  <a:pPr algn="ctr"/>
+                  <a:r>
+                    <a:rPr lang="en-US" sz="1000" dirty="0"/>
+                    <a:t>Exploratory Analysis</a:t>
+                  </a:r>
+                </a:p>
+              </p:txBody>
+            </p:sp>
+          </p:grpSp>
+          <p:grpSp>
+            <p:nvGrpSpPr>
+              <p:cNvPr id="124" name="Group 123">
+                <a:extLst>
+                  <a:ext uri="{FF2B5EF4-FFF2-40B4-BE49-F238E27FC236}">
+                    <a16:creationId xmlns:a16="http://schemas.microsoft.com/office/drawing/2014/main" id="{173827FD-D711-EE4C-890D-A3727F4CFFFA}"/>
+                  </a:ext>
+                </a:extLst>
+              </p:cNvPr>
+              <p:cNvGrpSpPr/>
+              <p:nvPr/>
+            </p:nvGrpSpPr>
+            <p:grpSpPr>
+              <a:xfrm>
+                <a:off x="6060840" y="3491817"/>
+                <a:ext cx="1182548" cy="308488"/>
+                <a:chOff x="1075043" y="2695644"/>
+                <a:chExt cx="1182548" cy="308488"/>
+              </a:xfrm>
+            </p:grpSpPr>
+            <p:sp>
+              <p:nvSpPr>
+                <p:cNvPr id="125" name="Rectangle 124">
+                  <a:extLst>
+                    <a:ext uri="{FF2B5EF4-FFF2-40B4-BE49-F238E27FC236}">
+                      <a16:creationId xmlns:a16="http://schemas.microsoft.com/office/drawing/2014/main" id="{FC500DED-F1F0-CE48-90ED-3A26DE7C5233}"/>
+                    </a:ext>
+                  </a:extLst>
+                </p:cNvPr>
+                <p:cNvSpPr/>
+                <p:nvPr/>
+              </p:nvSpPr>
+              <p:spPr>
+                <a:xfrm>
+                  <a:off x="1075043" y="2695644"/>
+                  <a:ext cx="1182548" cy="308488"/>
+                </a:xfrm>
+                <a:prstGeom prst="rect">
+                  <a:avLst/>
+                </a:prstGeom>
+                <a:solidFill>
+                  <a:schemeClr val="bg2"/>
+                </a:solidFill>
+                <a:ln>
+                  <a:solidFill>
+                    <a:schemeClr val="bg2">
+                      <a:lumMod val="90000"/>
+                    </a:schemeClr>
+                  </a:solidFill>
+                </a:ln>
+              </p:spPr>
+              <p:style>
+                <a:lnRef idx="2">
+                  <a:schemeClr val="accent1">
+                    <a:shade val="50000"/>
+                  </a:schemeClr>
+                </a:lnRef>
+                <a:fillRef idx="1">
+                  <a:schemeClr val="accent1"/>
+                </a:fillRef>
+                <a:effectRef idx="0">
+                  <a:schemeClr val="accent1"/>
+                </a:effectRef>
+                <a:fontRef idx="minor">
+                  <a:schemeClr val="lt1"/>
+                </a:fontRef>
+              </p:style>
+              <p:txBody>
+                <a:bodyPr rtlCol="0" anchor="ctr"/>
+                <a:lstStyle/>
+                <a:p>
+                  <a:pPr algn="ctr"/>
+                  <a:endParaRPr lang="en-US" dirty="0"/>
+                </a:p>
+              </p:txBody>
+            </p:sp>
+            <p:sp>
+              <p:nvSpPr>
+                <p:cNvPr id="126" name="TextBox 125">
+                  <a:extLst>
+                    <a:ext uri="{FF2B5EF4-FFF2-40B4-BE49-F238E27FC236}">
+                      <a16:creationId xmlns:a16="http://schemas.microsoft.com/office/drawing/2014/main" id="{39CBCA68-9EAE-2347-9A75-B5B404148C1C}"/>
+                    </a:ext>
+                  </a:extLst>
+                </p:cNvPr>
+                <p:cNvSpPr txBox="1"/>
+                <p:nvPr/>
+              </p:nvSpPr>
+              <p:spPr>
+                <a:xfrm>
+                  <a:off x="1109118" y="2726777"/>
+                  <a:ext cx="1114408" cy="246221"/>
+                </a:xfrm>
+                <a:prstGeom prst="rect">
+                  <a:avLst/>
+                </a:prstGeom>
+                <a:noFill/>
+              </p:spPr>
+              <p:txBody>
+                <a:bodyPr wrap="none" rtlCol="0">
+                  <a:spAutoFit/>
+                </a:bodyPr>
+                <a:lstStyle/>
+                <a:p>
+                  <a:pPr algn="ctr"/>
+                  <a:r>
+                    <a:rPr lang="en-US" sz="1000" dirty="0"/>
+                    <a:t>Machine Learning</a:t>
+                  </a:r>
+                </a:p>
+              </p:txBody>
+            </p:sp>
+          </p:grpSp>
+          <p:sp>
+            <p:nvSpPr>
+              <p:cNvPr id="141" name="Rectangle 140">
+                <a:extLst>
+                  <a:ext uri="{FF2B5EF4-FFF2-40B4-BE49-F238E27FC236}">
+                    <a16:creationId xmlns:a16="http://schemas.microsoft.com/office/drawing/2014/main" id="{FDFEA92E-63B0-B142-A2DC-AA4E6A606FD0}"/>
+                  </a:ext>
+                </a:extLst>
+              </p:cNvPr>
+              <p:cNvSpPr/>
+              <p:nvPr/>
+            </p:nvSpPr>
+            <p:spPr>
+              <a:xfrm>
+                <a:off x="6062906" y="2678309"/>
+                <a:ext cx="1182548" cy="308488"/>
+              </a:xfrm>
+              <a:prstGeom prst="rect">
+                <a:avLst/>
+              </a:prstGeom>
+              <a:solidFill>
+                <a:schemeClr val="bg2"/>
+              </a:solidFill>
+              <a:ln>
+                <a:solidFill>
+                  <a:schemeClr val="bg2">
+                    <a:lumMod val="90000"/>
+                  </a:schemeClr>
+                </a:solidFill>
+              </a:ln>
+            </p:spPr>
+            <p:style>
+              <a:lnRef idx="2">
+                <a:schemeClr val="accent1">
+                  <a:shade val="50000"/>
+                </a:schemeClr>
+              </a:lnRef>
+              <a:fillRef idx="1">
+                <a:schemeClr val="accent1"/>
+              </a:fillRef>
+              <a:effectRef idx="0">
+                <a:schemeClr val="accent1"/>
+              </a:effectRef>
+              <a:fontRef idx="minor">
+                <a:schemeClr val="lt1"/>
+              </a:fontRef>
+            </p:style>
+            <p:txBody>
+              <a:bodyPr rtlCol="0" anchor="ctr"/>
+              <a:lstStyle/>
+              <a:p>
+                <a:pPr algn="ctr"/>
+                <a:endParaRPr lang="en-US" dirty="0"/>
+              </a:p>
+            </p:txBody>
+          </p:sp>
+          <p:sp>
+            <p:nvSpPr>
+              <p:cNvPr id="142" name="TextBox 141">
+                <a:extLst>
+                  <a:ext uri="{FF2B5EF4-FFF2-40B4-BE49-F238E27FC236}">
+                    <a16:creationId xmlns:a16="http://schemas.microsoft.com/office/drawing/2014/main" id="{DD387765-9D29-5A49-98A0-5E0673FE5B1F}"/>
+                  </a:ext>
+                </a:extLst>
+              </p:cNvPr>
+              <p:cNvSpPr txBox="1"/>
+              <p:nvPr/>
+            </p:nvSpPr>
+            <p:spPr>
+              <a:xfrm>
+                <a:off x="6158698" y="2709442"/>
+                <a:ext cx="990977" cy="246221"/>
+              </a:xfrm>
+              <a:prstGeom prst="rect">
+                <a:avLst/>
+              </a:prstGeom>
+              <a:noFill/>
+            </p:spPr>
+            <p:txBody>
+              <a:bodyPr wrap="none" rtlCol="0">
+                <a:spAutoFit/>
+              </a:bodyPr>
+              <a:lstStyle/>
+              <a:p>
+                <a:pPr algn="ctr"/>
+                <a:r>
+                  <a:rPr lang="en-US" sz="1000" dirty="0"/>
+                  <a:t>Data Wrangling</a:t>
+                </a:r>
+              </a:p>
+            </p:txBody>
+          </p:sp>
+          <p:pic>
+            <p:nvPicPr>
+              <p:cNvPr id="69" name="Picture 68">
+                <a:extLst>
+                  <a:ext uri="{FF2B5EF4-FFF2-40B4-BE49-F238E27FC236}">
+                    <a16:creationId xmlns:a16="http://schemas.microsoft.com/office/drawing/2014/main" id="{389A0227-340F-B243-8255-D868D43C887A}"/>
+                  </a:ext>
+                </a:extLst>
+              </p:cNvPr>
+              <p:cNvPicPr>
+                <a:picLocks noChangeAspect="1"/>
+              </p:cNvPicPr>
+              <p:nvPr/>
+            </p:nvPicPr>
+            <p:blipFill>
+              <a:blip r:embed="rId7"/>
+              <a:stretch>
+                <a:fillRect/>
+              </a:stretch>
+            </p:blipFill>
+            <p:spPr>
+              <a:xfrm>
+                <a:off x="6055941" y="3953155"/>
+                <a:ext cx="1065918" cy="348251"/>
+              </a:xfrm>
+              <a:prstGeom prst="rect">
+                <a:avLst/>
+              </a:prstGeom>
+            </p:spPr>
+          </p:pic>
+          <p:pic>
+            <p:nvPicPr>
+              <p:cNvPr id="192" name="Picture 191">
+                <a:extLst>
+                  <a:ext uri="{FF2B5EF4-FFF2-40B4-BE49-F238E27FC236}">
+                    <a16:creationId xmlns:a16="http://schemas.microsoft.com/office/drawing/2014/main" id="{927F07C8-6A7D-F046-A130-C3DB34F7D464}"/>
+                  </a:ext>
+                </a:extLst>
+              </p:cNvPr>
+              <p:cNvPicPr>
+                <a:picLocks noChangeAspect="1"/>
+              </p:cNvPicPr>
+              <p:nvPr/>
+            </p:nvPicPr>
+            <p:blipFill>
+              <a:blip r:embed="rId9"/>
+              <a:stretch>
+                <a:fillRect/>
+              </a:stretch>
+            </p:blipFill>
+            <p:spPr>
+              <a:xfrm>
+                <a:off x="7392784" y="3281133"/>
+                <a:ext cx="628518" cy="296302"/>
+              </a:xfrm>
+              <a:prstGeom prst="rect">
+                <a:avLst/>
+              </a:prstGeom>
+            </p:spPr>
+          </p:pic>
+          <p:pic>
+            <p:nvPicPr>
+              <p:cNvPr id="193" name="Picture 192">
+                <a:extLst>
+                  <a:ext uri="{FF2B5EF4-FFF2-40B4-BE49-F238E27FC236}">
+                    <a16:creationId xmlns:a16="http://schemas.microsoft.com/office/drawing/2014/main" id="{A5E3BD2F-C3B2-8E4C-A31C-35AA1D82EC8A}"/>
+                  </a:ext>
+                </a:extLst>
+              </p:cNvPr>
+              <p:cNvPicPr>
+                <a:picLocks noChangeAspect="1"/>
+              </p:cNvPicPr>
+              <p:nvPr/>
+            </p:nvPicPr>
+            <p:blipFill>
+              <a:blip r:embed="rId10"/>
+              <a:stretch>
+                <a:fillRect/>
+              </a:stretch>
+            </p:blipFill>
+            <p:spPr>
+              <a:xfrm>
+                <a:off x="7377963" y="3684454"/>
+                <a:ext cx="628518" cy="340188"/>
+              </a:xfrm>
+              <a:prstGeom prst="rect">
+                <a:avLst/>
+              </a:prstGeom>
+            </p:spPr>
+          </p:pic>
+          <p:sp>
+            <p:nvSpPr>
+              <p:cNvPr id="216" name="TextBox 215">
+                <a:extLst>
+                  <a:ext uri="{FF2B5EF4-FFF2-40B4-BE49-F238E27FC236}">
+                    <a16:creationId xmlns:a16="http://schemas.microsoft.com/office/drawing/2014/main" id="{DEF5626F-80D1-B94C-9961-71713724762F}"/>
+                  </a:ext>
+                </a:extLst>
+              </p:cNvPr>
+              <p:cNvSpPr txBox="1"/>
+              <p:nvPr/>
+            </p:nvSpPr>
+            <p:spPr>
+              <a:xfrm>
+                <a:off x="7265876" y="4085922"/>
+                <a:ext cx="766235" cy="276999"/>
+              </a:xfrm>
+              <a:prstGeom prst="rect">
+                <a:avLst/>
+              </a:prstGeom>
+              <a:noFill/>
+            </p:spPr>
+            <p:txBody>
+              <a:bodyPr wrap="none" rtlCol="0">
+                <a:spAutoFit/>
+              </a:bodyPr>
+              <a:lstStyle/>
+              <a:p>
+                <a:pPr algn="ctr"/>
+                <a:r>
+                  <a:rPr lang="en-US" sz="1200" dirty="0">
+                    <a:solidFill>
+                      <a:schemeClr val="tx1">
+                        <a:lumMod val="65000"/>
+                        <a:lumOff val="35000"/>
+                      </a:schemeClr>
+                    </a:solidFill>
+                  </a:rPr>
+                  <a:t>psycopg2</a:t>
+                </a:r>
+                <a:endParaRPr lang="en-US" sz="1400" dirty="0">
+                  <a:solidFill>
+                    <a:schemeClr val="tx1">
+                      <a:lumMod val="65000"/>
+                      <a:lumOff val="35000"/>
+                    </a:schemeClr>
+                  </a:solidFill>
+                </a:endParaRPr>
+              </a:p>
+            </p:txBody>
+          </p:sp>
+          <p:pic>
+            <p:nvPicPr>
+              <p:cNvPr id="48" name="Picture 47"/>
+              <p:cNvPicPr>
+                <a:picLocks noChangeAspect="1"/>
+              </p:cNvPicPr>
+              <p:nvPr/>
+            </p:nvPicPr>
+            <p:blipFill>
+              <a:blip r:embed="rId11"/>
+              <a:stretch>
+                <a:fillRect/>
+              </a:stretch>
+            </p:blipFill>
+            <p:spPr>
+              <a:xfrm>
+                <a:off x="6095989" y="4415182"/>
+                <a:ext cx="461458" cy="419233"/>
+              </a:xfrm>
+              <a:prstGeom prst="rect">
+                <a:avLst/>
+              </a:prstGeom>
+            </p:spPr>
+          </p:pic>
+          <p:pic>
+            <p:nvPicPr>
+              <p:cNvPr id="51" name="Picture 50"/>
+              <p:cNvPicPr>
+                <a:picLocks noChangeAspect="1"/>
+              </p:cNvPicPr>
+              <p:nvPr/>
+            </p:nvPicPr>
+            <p:blipFill>
+              <a:blip r:embed="rId12"/>
+              <a:stretch>
+                <a:fillRect/>
+              </a:stretch>
+            </p:blipFill>
+            <p:spPr>
+              <a:xfrm>
+                <a:off x="6651157" y="4477462"/>
+                <a:ext cx="1266194" cy="232136"/>
+              </a:xfrm>
+              <a:prstGeom prst="rect">
+                <a:avLst/>
+              </a:prstGeom>
+            </p:spPr>
+          </p:pic>
+        </p:grpSp>
+        <p:pic>
+          <p:nvPicPr>
+            <p:cNvPr id="183" name="Picture 182">
+              <a:extLst/>
+            </p:cNvPr>
+            <p:cNvPicPr>
+              <a:picLocks noChangeAspect="1"/>
+            </p:cNvPicPr>
+            <p:nvPr/>
+          </p:nvPicPr>
+          <p:blipFill>
+            <a:blip r:embed="rId6"/>
+            <a:stretch>
+              <a:fillRect/>
+            </a:stretch>
+          </p:blipFill>
+          <p:spPr>
+            <a:xfrm>
+              <a:off x="8792683" y="2810908"/>
+              <a:ext cx="538842" cy="602773"/>
+            </a:xfrm>
+            <a:prstGeom prst="rect">
+              <a:avLst/>
+            </a:prstGeom>
+          </p:spPr>
+        </p:pic>
+      </p:grpSp>
+      <p:sp>
+        <p:nvSpPr>
+          <p:cNvPr id="90" name="Rounded Rectangle 89">
+            <a:extLst/>
+          </p:cNvPr>
+          <p:cNvSpPr/>
+          <p:nvPr/>
+        </p:nvSpPr>
+        <p:spPr>
+          <a:xfrm>
+            <a:off x="6201388" y="3406741"/>
+            <a:ext cx="1046838" cy="1132671"/>
+          </a:xfrm>
+          <a:prstGeom prst="roundRect">
+            <a:avLst/>
+          </a:prstGeom>
+          <a:solidFill>
+            <a:schemeClr val="bg1"/>
+          </a:solidFill>
+          <a:ln w="38100">
+            <a:solidFill>
+              <a:schemeClr val="bg2"/>
+            </a:solidFill>
+          </a:ln>
+        </p:spPr>
+        <p:style>
+          <a:lnRef idx="2">
+            <a:schemeClr val="accent1">
+              <a:shade val="50000"/>
+            </a:schemeClr>
+          </a:lnRef>
+          <a:fillRef idx="1">
+            <a:schemeClr val="accent1"/>
+          </a:fillRef>
+          <a:effectRef idx="0">
+            <a:schemeClr val="accent1"/>
+          </a:effectRef>
+          <a:fontRef idx="minor">
+            <a:schemeClr val="lt1"/>
+          </a:fontRef>
+        </p:style>
+        <p:txBody>
+          <a:bodyPr rtlCol="0" anchor="ctr"/>
+          <a:lstStyle/>
+          <a:p>
+            <a:pPr algn="ctr"/>
+            <a:r>
+              <a:rPr lang="en-US" dirty="0"/>
+              <a:t>v</a:t>
+            </a:r>
+          </a:p>
+        </p:txBody>
+      </p:sp>
+      <p:sp>
+        <p:nvSpPr>
+          <p:cNvPr id="103" name="TextBox 102">
+            <a:extLst/>
+          </p:cNvPr>
+          <p:cNvSpPr txBox="1"/>
+          <p:nvPr/>
+        </p:nvSpPr>
+        <p:spPr>
+          <a:xfrm>
+            <a:off x="6557703" y="3087190"/>
+            <a:ext cx="963138" cy="276999"/>
+          </a:xfrm>
+          <a:prstGeom prst="rect">
+            <a:avLst/>
+          </a:prstGeom>
+          <a:noFill/>
+        </p:spPr>
+        <p:txBody>
+          <a:bodyPr wrap="square" rtlCol="0">
+            <a:spAutoFit/>
+          </a:bodyPr>
+          <a:lstStyle/>
+          <a:p>
+            <a:pPr algn="ctr"/>
+            <a:r>
+              <a:rPr lang="en-US" sz="1200" b="1" dirty="0">
+                <a:solidFill>
+                  <a:schemeClr val="bg1"/>
+                </a:solidFill>
+              </a:rPr>
+              <a:t>AWS EC2</a:t>
+            </a:r>
+            <a:endParaRPr lang="en-US" sz="1400" b="1" dirty="0">
+              <a:solidFill>
+                <a:schemeClr val="bg1"/>
+              </a:solidFill>
+            </a:endParaRPr>
+          </a:p>
+        </p:txBody>
+      </p:sp>
+      <p:pic>
+        <p:nvPicPr>
+          <p:cNvPr id="105" name="Picture 104">
+            <a:extLst/>
+          </p:cNvPr>
+          <p:cNvPicPr>
+            <a:picLocks noChangeAspect="1"/>
+          </p:cNvPicPr>
+          <p:nvPr/>
+        </p:nvPicPr>
+        <p:blipFill>
+          <a:blip r:embed="rId7"/>
+          <a:stretch>
+            <a:fillRect/>
+          </a:stretch>
+        </p:blipFill>
+        <p:spPr>
+          <a:xfrm>
+            <a:off x="6324604" y="3546031"/>
+            <a:ext cx="861808" cy="281565"/>
+          </a:xfrm>
+          <a:prstGeom prst="rect">
+            <a:avLst/>
+          </a:prstGeom>
+        </p:spPr>
+      </p:pic>
+      <p:pic>
+        <p:nvPicPr>
+          <p:cNvPr id="106" name="Picture 105"/>
+          <p:cNvPicPr>
+            <a:picLocks noChangeAspect="1"/>
+          </p:cNvPicPr>
+          <p:nvPr/>
+        </p:nvPicPr>
+        <p:blipFill>
+          <a:blip r:embed="rId13"/>
+          <a:stretch>
+            <a:fillRect/>
+          </a:stretch>
+        </p:blipFill>
+        <p:spPr>
+          <a:xfrm>
+            <a:off x="6544214" y="3945015"/>
+            <a:ext cx="341991" cy="439601"/>
+          </a:xfrm>
+          <a:prstGeom prst="rect">
+            <a:avLst/>
+          </a:prstGeom>
+        </p:spPr>
+      </p:pic>
+      <p:cxnSp>
+        <p:nvCxnSpPr>
+          <p:cNvPr id="224" name="Elbow Connector 223"/>
+          <p:cNvCxnSpPr>
+            <a:stCxn id="91" idx="1"/>
+            <a:endCxn id="110" idx="2"/>
+          </p:cNvCxnSpPr>
+          <p:nvPr/>
+        </p:nvCxnSpPr>
+        <p:spPr>
+          <a:xfrm rot="10800000">
+            <a:off x="5217952" y="4540814"/>
+            <a:ext cx="2654477" cy="317137"/>
+          </a:xfrm>
+          <a:prstGeom prst="bentConnector2">
+            <a:avLst/>
+          </a:prstGeom>
+          <a:ln w="28575">
+            <a:headEnd type="triangle" w="med" len="med"/>
+            <a:tailEnd type="triangle" w="med" len="med"/>
+          </a:ln>
+        </p:spPr>
+        <p:style>
+          <a:lnRef idx="1">
+            <a:schemeClr val="dk1"/>
+          </a:lnRef>
+          <a:fillRef idx="0">
+            <a:schemeClr val="dk1"/>
+          </a:fillRef>
+          <a:effectRef idx="0">
+            <a:schemeClr val="dk1"/>
+          </a:effectRef>
+          <a:fontRef idx="minor">
+            <a:schemeClr val="tx1"/>
+          </a:fontRef>
+        </p:style>
+      </p:cxnSp>
+      <p:cxnSp>
+        <p:nvCxnSpPr>
+          <p:cNvPr id="108" name="Elbow Connector 107"/>
+          <p:cNvCxnSpPr>
+            <a:stCxn id="90" idx="0"/>
+          </p:cNvCxnSpPr>
+          <p:nvPr/>
+        </p:nvCxnSpPr>
+        <p:spPr>
+          <a:xfrm rot="16200000" flipV="1">
+            <a:off x="5456715" y="2138648"/>
+            <a:ext cx="1852226" cy="683959"/>
+          </a:xfrm>
+          <a:prstGeom prst="bentConnector3">
+            <a:avLst>
+              <a:gd name="adj1" fmla="val 100846"/>
+            </a:avLst>
+          </a:prstGeom>
+          <a:ln w="28575">
+            <a:prstDash val="dash"/>
+            <a:headEnd type="triangle" w="med" len="med"/>
+            <a:tailEnd type="none" w="med" len="med"/>
+          </a:ln>
+        </p:spPr>
+        <p:style>
+          <a:lnRef idx="1">
+            <a:schemeClr val="dk1"/>
+          </a:lnRef>
+          <a:fillRef idx="0">
+            <a:schemeClr val="dk1"/>
+          </a:fillRef>
+          <a:effectRef idx="0">
+            <a:schemeClr val="dk1"/>
+          </a:effectRef>
+          <a:fontRef idx="minor">
+            <a:schemeClr val="tx1"/>
+          </a:fontRef>
+        </p:style>
+      </p:cxnSp>
+      <p:pic>
+        <p:nvPicPr>
+          <p:cNvPr id="230" name="Picture 229"/>
+          <p:cNvPicPr>
+            <a:picLocks noChangeAspect="1"/>
+          </p:cNvPicPr>
+          <p:nvPr/>
+        </p:nvPicPr>
+        <p:blipFill>
+          <a:blip r:embed="rId14"/>
+          <a:stretch>
+            <a:fillRect/>
+          </a:stretch>
+        </p:blipFill>
+        <p:spPr>
+          <a:xfrm>
+            <a:off x="10999122" y="1931778"/>
+            <a:ext cx="690607" cy="690607"/>
+          </a:xfrm>
+          <a:prstGeom prst="rect">
+            <a:avLst/>
+          </a:prstGeom>
+        </p:spPr>
+      </p:pic>
+      <p:cxnSp>
+        <p:nvCxnSpPr>
+          <p:cNvPr id="239" name="Straight Arrow Connector 238"/>
+          <p:cNvCxnSpPr>
+            <a:stCxn id="110" idx="3"/>
+            <a:endCxn id="90" idx="1"/>
+          </p:cNvCxnSpPr>
+          <p:nvPr/>
+        </p:nvCxnSpPr>
+        <p:spPr>
+          <a:xfrm flipV="1">
+            <a:off x="5933248" y="3973077"/>
+            <a:ext cx="268140" cy="1401"/>
+          </a:xfrm>
+          <a:prstGeom prst="straightConnector1">
+            <a:avLst/>
+          </a:prstGeom>
+          <a:ln w="28575">
+            <a:headEnd type="triangle" w="med" len="med"/>
+            <a:tailEnd type="triangle" w="med" len="med"/>
+          </a:ln>
+        </p:spPr>
+        <p:style>
+          <a:lnRef idx="1">
+            <a:schemeClr val="dk1"/>
+          </a:lnRef>
+          <a:fillRef idx="0">
+            <a:schemeClr val="dk1"/>
+          </a:fillRef>
+          <a:effectRef idx="0">
+            <a:schemeClr val="dk1"/>
+          </a:effectRef>
+          <a:fontRef idx="minor">
+            <a:schemeClr val="tx1"/>
+          </a:fontRef>
+        </p:style>
+      </p:cxnSp>
+      <p:cxnSp>
+        <p:nvCxnSpPr>
+          <p:cNvPr id="243" name="Elbow Connector 242"/>
+          <p:cNvCxnSpPr>
+            <a:stCxn id="90" idx="3"/>
+            <a:endCxn id="230" idx="1"/>
+          </p:cNvCxnSpPr>
+          <p:nvPr/>
+        </p:nvCxnSpPr>
+        <p:spPr>
+          <a:xfrm flipV="1">
+            <a:off x="7248226" y="2277082"/>
+            <a:ext cx="3750896" cy="1695995"/>
+          </a:xfrm>
+          <a:prstGeom prst="bentConnector3">
+            <a:avLst>
+              <a:gd name="adj1" fmla="val 12046"/>
+            </a:avLst>
+          </a:prstGeom>
+          <a:ln w="28575">
+            <a:headEnd type="triangle" w="med" len="med"/>
+            <a:tailEnd type="triangle" w="med" len="med"/>
+          </a:ln>
+        </p:spPr>
+        <p:style>
+          <a:lnRef idx="1">
+            <a:schemeClr val="dk1"/>
+          </a:lnRef>
+          <a:fillRef idx="0">
+            <a:schemeClr val="dk1"/>
+          </a:fillRef>
+          <a:effectRef idx="0">
+            <a:schemeClr val="dk1"/>
+          </a:effectRef>
+          <a:fontRef idx="minor">
+            <a:schemeClr val="tx1"/>
+          </a:fontRef>
+        </p:style>
+      </p:cxnSp>
+    </p:spTree>
+    <p:extLst>
+      <p:ext uri="{BB962C8B-B14F-4D97-AF65-F5344CB8AC3E}">
+        <p14:creationId xmlns:p14="http://schemas.microsoft.com/office/powerpoint/2010/main" val="209730784"/>
+      </p:ext>
+    </p:extLst>
+  </p:cSld>
+  <p:clrMapOvr>
+    <a:masterClrMapping/>
+  </p:clrMapOvr>
+</p:sld>
+</file>
+
+<file path=ppt/slides/slide2.xml><?xml version="1.0" encoding="utf-8"?>
 <p:sld xmlns:a="http://schemas.openxmlformats.org/drawingml/2006/main" xmlns:r="http://schemas.openxmlformats.org/officeDocument/2006/relationships" xmlns:p="http://schemas.openxmlformats.org/presentationml/2006/main">
   <p:cSld>
     <p:spTree>
@@ -6846,7 +9682,7 @@
 </p:sld>
 </file>
 
-<file path=ppt/slides/slide2.xml><?xml version="1.0" encoding="utf-8"?>
+<file path=ppt/slides/slide3.xml><?xml version="1.0" encoding="utf-8"?>
 <p:sld xmlns:a="http://schemas.openxmlformats.org/drawingml/2006/main" xmlns:r="http://schemas.openxmlformats.org/officeDocument/2006/relationships" xmlns:p="http://schemas.openxmlformats.org/presentationml/2006/main">
   <p:cSld>
     <p:spTree>
@@ -9747,7 +12583,7 @@
 </p:sld>
 </file>
 
-<file path=ppt/slides/slide3.xml><?xml version="1.0" encoding="utf-8"?>
+<file path=ppt/slides/slide4.xml><?xml version="1.0" encoding="utf-8"?>
 <p:sld xmlns:a="http://schemas.openxmlformats.org/drawingml/2006/main" xmlns:r="http://schemas.openxmlformats.org/officeDocument/2006/relationships" xmlns:p="http://schemas.openxmlformats.org/presentationml/2006/main">
   <p:cSld>
     <p:spTree>
@@ -13329,7 +16165,7 @@
 </p:sld>
 </file>
 
-<file path=ppt/slides/slide4.xml><?xml version="1.0" encoding="utf-8"?>
+<file path=ppt/slides/slide5.xml><?xml version="1.0" encoding="utf-8"?>
 <p:sld xmlns:a="http://schemas.openxmlformats.org/drawingml/2006/main" xmlns:r="http://schemas.openxmlformats.org/officeDocument/2006/relationships" xmlns:p="http://schemas.openxmlformats.org/presentationml/2006/main">
   <p:cSld>
     <p:spTree>
